--- a/基于语义的模糊同名判定方法.pptx
+++ b/基于语义的模糊同名判定方法.pptx
@@ -5,16 +5,20 @@
     <p:sldMasterId id="2147483648" r:id="rId1"/>
   </p:sldMasterIdLst>
   <p:notesMasterIdLst>
-    <p:notesMasterId r:id="rId9"/>
+    <p:notesMasterId r:id="rId13"/>
   </p:notesMasterIdLst>
   <p:sldIdLst>
     <p:sldId id="258" r:id="rId2"/>
-    <p:sldId id="260" r:id="rId3"/>
-    <p:sldId id="261" r:id="rId4"/>
-    <p:sldId id="306" r:id="rId5"/>
-    <p:sldId id="290" r:id="rId6"/>
-    <p:sldId id="262" r:id="rId7"/>
-    <p:sldId id="316" r:id="rId8"/>
+    <p:sldId id="317" r:id="rId3"/>
+    <p:sldId id="322" r:id="rId4"/>
+    <p:sldId id="318" r:id="rId5"/>
+    <p:sldId id="319" r:id="rId6"/>
+    <p:sldId id="320" r:id="rId7"/>
+    <p:sldId id="306" r:id="rId8"/>
+    <p:sldId id="290" r:id="rId9"/>
+    <p:sldId id="321" r:id="rId10"/>
+    <p:sldId id="323" r:id="rId11"/>
+    <p:sldId id="316" r:id="rId12"/>
   </p:sldIdLst>
   <p:sldSz cx="12192000" cy="6858000"/>
   <p:notesSz cx="6858000" cy="9144000"/>
@@ -114,6 +118,25 @@
     </a:lvl9pPr>
   </p:defaultTextStyle>
   <p:extLst>
+    <p:ext uri="{521415D9-36F7-43E2-AB2F-B90AF26B5E84}">
+      <p14:sectionLst xmlns:p14="http://schemas.microsoft.com/office/powerpoint/2010/main">
+        <p14:section name="默认节" id="{CDCA27EA-092E-4248-8D3A-C7953D2CF6EC}">
+          <p14:sldIdLst>
+            <p14:sldId id="258"/>
+            <p14:sldId id="317"/>
+            <p14:sldId id="322"/>
+            <p14:sldId id="318"/>
+            <p14:sldId id="319"/>
+            <p14:sldId id="320"/>
+            <p14:sldId id="306"/>
+            <p14:sldId id="290"/>
+            <p14:sldId id="321"/>
+            <p14:sldId id="323"/>
+            <p14:sldId id="316"/>
+          </p14:sldIdLst>
+        </p14:section>
+      </p14:sectionLst>
+    </p:ext>
     <p:ext uri="{EFAFB233-063F-42B5-8137-9DF3F51BA10A}">
       <p15:sldGuideLst xmlns:p15="http://schemas.microsoft.com/office/powerpoint/2012/main"/>
     </p:ext>
@@ -203,7 +226,7 @@
           <a:p>
             <a:fld id="{E35AD3B3-1452-48D6-AFCB-7C7EBCC07ECE}" type="datetimeFigureOut">
               <a:rPr lang="zh-CN" altLang="en-US" smtClean="0"/>
-              <a:t>2019/3/19</a:t>
+              <a:t>2019/3/20</a:t>
             </a:fld>
             <a:endParaRPr lang="zh-CN" altLang="en-US"/>
           </a:p>
@@ -600,124 +623,18 @@
           <a:lstStyle/>
           <a:p>
             <a:r>
-              <a:rPr lang="zh-CN" altLang="en-US" sz="1200" b="0" i="0" kern="1200" dirty="0" smtClean="0">
-                <a:solidFill>
-                  <a:schemeClr val="tx1"/>
-                </a:solidFill>
-                <a:effectLst/>
-                <a:latin typeface="+mn-lt"/>
-                <a:ea typeface="+mn-ea"/>
-                <a:cs typeface="+mn-cs"/>
-              </a:rPr>
-              <a:t>在马尔可夫链的每一步，系统根据概率分布，可以从一个状态变到另一个状态，也可以保持当前状态。状态的改变叫做转移，与不同的状态改变相关的概率叫做转移概率。</a:t>
-            </a:r>
-            <a:r>
-              <a:rPr lang="zh-CN" altLang="en-US" sz="1200" b="0" i="0" u="none" strike="noStrike" kern="1200" dirty="0" smtClean="0">
-                <a:solidFill>
-                  <a:schemeClr val="tx1"/>
-                </a:solidFill>
-                <a:effectLst/>
-                <a:latin typeface="+mn-lt"/>
-                <a:ea typeface="+mn-ea"/>
-                <a:cs typeface="+mn-cs"/>
-              </a:rPr>
-              <a:t>随机漫步</a:t>
-            </a:r>
-            <a:r>
-              <a:rPr lang="zh-CN" altLang="en-US" sz="1200" b="0" i="0" kern="1200" dirty="0" smtClean="0">
-                <a:solidFill>
-                  <a:schemeClr val="tx1"/>
-                </a:solidFill>
-                <a:effectLst/>
-                <a:latin typeface="+mn-lt"/>
-                <a:ea typeface="+mn-ea"/>
-                <a:cs typeface="+mn-cs"/>
-              </a:rPr>
-              <a:t>就是马尔可夫链的例子。随机漫步中每一步的状态是在图形中的点，每一步可以移动到任何一个相邻的点。</a:t>
-            </a:r>
-            <a:endParaRPr lang="en-US" altLang="zh-CN" sz="1200" b="0" i="0" kern="1200" dirty="0" smtClean="0">
-              <a:solidFill>
-                <a:schemeClr val="tx1"/>
-              </a:solidFill>
-              <a:effectLst/>
-              <a:latin typeface="+mn-lt"/>
-              <a:ea typeface="+mn-ea"/>
-              <a:cs typeface="+mn-cs"/>
-            </a:endParaRPr>
-          </a:p>
-          <a:p>
-            <a:endParaRPr lang="en-US" altLang="zh-CN" sz="1200" b="0" i="0" kern="1200" dirty="0" smtClean="0">
-              <a:solidFill>
-                <a:schemeClr val="tx1"/>
-              </a:solidFill>
-              <a:effectLst/>
-              <a:latin typeface="+mn-lt"/>
-              <a:ea typeface="+mn-ea"/>
-              <a:cs typeface="+mn-cs"/>
-            </a:endParaRPr>
-          </a:p>
-          <a:p>
-            <a:r>
-              <a:rPr lang="zh-CN" altLang="en-US" sz="1200" b="0" i="0" kern="1200" dirty="0" smtClean="0">
-                <a:solidFill>
-                  <a:schemeClr val="tx1"/>
-                </a:solidFill>
-                <a:effectLst/>
-                <a:latin typeface="+mn-lt"/>
-                <a:ea typeface="+mn-ea"/>
-                <a:cs typeface="+mn-cs"/>
-              </a:rPr>
-              <a:t>马尔可夫模型也被应用于分析用户浏览</a:t>
-            </a:r>
-            <a:r>
-              <a:rPr lang="zh-CN" altLang="en-US" sz="1200" b="0" i="0" u="none" strike="noStrike" kern="1200" dirty="0" smtClean="0">
-                <a:solidFill>
-                  <a:schemeClr val="tx1"/>
-                </a:solidFill>
-                <a:effectLst/>
-                <a:latin typeface="+mn-lt"/>
-                <a:ea typeface="+mn-ea"/>
-                <a:cs typeface="+mn-cs"/>
-              </a:rPr>
-              <a:t>网页</a:t>
-            </a:r>
-            <a:r>
-              <a:rPr lang="zh-CN" altLang="en-US" sz="1200" b="0" i="0" kern="1200" dirty="0" smtClean="0">
-                <a:solidFill>
-                  <a:schemeClr val="tx1"/>
-                </a:solidFill>
-                <a:effectLst/>
-                <a:latin typeface="+mn-lt"/>
-                <a:ea typeface="+mn-ea"/>
-                <a:cs typeface="+mn-cs"/>
-              </a:rPr>
-              <a:t>的行为。在</a:t>
-            </a:r>
-            <a:r>
-              <a:rPr lang="en-US" altLang="zh-CN" sz="1200" b="0" i="0" kern="1200" dirty="0" smtClean="0">
-                <a:solidFill>
-                  <a:schemeClr val="tx1"/>
-                </a:solidFill>
-                <a:effectLst/>
-                <a:latin typeface="+mn-lt"/>
-                <a:ea typeface="+mn-ea"/>
-                <a:cs typeface="+mn-cs"/>
-              </a:rPr>
-              <a:t>PageRank</a:t>
-            </a:r>
-            <a:r>
-              <a:rPr lang="zh-CN" altLang="en-US" sz="1200" b="0" i="0" kern="1200" dirty="0" smtClean="0">
-                <a:solidFill>
-                  <a:schemeClr val="tx1"/>
-                </a:solidFill>
-                <a:effectLst/>
-                <a:latin typeface="+mn-lt"/>
-                <a:ea typeface="+mn-ea"/>
-                <a:cs typeface="+mn-cs"/>
-              </a:rPr>
-              <a:t>中，就是用马尔可夫模型对一个用户从某一网络链接转移到另一链接的行为进行建模。</a:t>
-            </a:r>
-            <a:endParaRPr lang="en-US" altLang="zh-CN" dirty="0" smtClean="0"/>
+              <a:rPr lang="zh-CN" altLang="en-US" dirty="0" smtClean="0"/>
+              <a:t>目前命名体识别的主要方法可以归纳为</a:t>
+            </a:r>
+            <a:r>
+              <a:rPr lang="en-US" altLang="zh-CN" dirty="0" smtClean="0"/>
+              <a:t>3</a:t>
+            </a:r>
+            <a:r>
+              <a:rPr lang="zh-CN" altLang="en-US" dirty="0" smtClean="0"/>
+              <a:t>类：基于规则的方法，基于统计的方法和基于深度学习的方法。</a:t>
+            </a:r>
+            <a:endParaRPr lang="zh-CN" altLang="en-US" dirty="0"/>
           </a:p>
         </p:txBody>
       </p:sp>
@@ -738,7 +655,7 @@
           <a:p>
             <a:fld id="{446F7A48-CBAD-4BDE-987B-C95199978927}" type="slidenum">
               <a:rPr lang="zh-CN" altLang="en-US" smtClean="0"/>
-              <a:t>2</a:t>
+              <a:t>4</a:t>
             </a:fld>
             <a:endParaRPr lang="zh-CN" altLang="en-US"/>
           </a:p>
@@ -747,7 +664,7 @@
     </p:spTree>
     <p:extLst>
       <p:ext uri="{BB962C8B-B14F-4D97-AF65-F5344CB8AC3E}">
-        <p14:creationId xmlns:p14="http://schemas.microsoft.com/office/powerpoint/2010/main" val="4109687932"/>
+        <p14:creationId xmlns:p14="http://schemas.microsoft.com/office/powerpoint/2010/main" val="590251285"/>
       </p:ext>
     </p:extLst>
   </p:cSld>
@@ -801,10 +718,6 @@
           <a:bodyPr/>
           <a:lstStyle/>
           <a:p>
-            <a:r>
-              <a:rPr lang="zh-CN" altLang="en-US" dirty="0" smtClean="0"/>
-              <a:t>语音识别，自然语言处理。。。</a:t>
-            </a:r>
             <a:endParaRPr lang="zh-CN" altLang="en-US" dirty="0"/>
           </a:p>
         </p:txBody>
@@ -826,7 +739,7 @@
           <a:p>
             <a:fld id="{446F7A48-CBAD-4BDE-987B-C95199978927}" type="slidenum">
               <a:rPr lang="zh-CN" altLang="en-US" smtClean="0"/>
-              <a:t>3</a:t>
+              <a:t>5</a:t>
             </a:fld>
             <a:endParaRPr lang="zh-CN" altLang="en-US"/>
           </a:p>
@@ -835,7 +748,7 @@
     </p:spTree>
     <p:extLst>
       <p:ext uri="{BB962C8B-B14F-4D97-AF65-F5344CB8AC3E}">
-        <p14:creationId xmlns:p14="http://schemas.microsoft.com/office/powerpoint/2010/main" val="4063798680"/>
+        <p14:creationId xmlns:p14="http://schemas.microsoft.com/office/powerpoint/2010/main" val="3077858620"/>
       </p:ext>
     </p:extLst>
   </p:cSld>
@@ -891,55 +804,63 @@
           <a:p>
             <a:r>
               <a:rPr lang="zh-CN" altLang="en-US" dirty="0" smtClean="0"/>
-              <a:t>其中，</a:t>
+              <a:t>这里简单解释一下，其实目前在统计机器学习算法里常用的是</a:t>
             </a:r>
             <a:r>
               <a:rPr lang="en-US" altLang="zh-CN" dirty="0" smtClean="0"/>
-              <a:t>3</a:t>
+              <a:t>CRF</a:t>
             </a:r>
             <a:r>
               <a:rPr lang="zh-CN" altLang="en-US" dirty="0" smtClean="0"/>
-              <a:t>和</a:t>
+              <a:t>，它其实和</a:t>
             </a:r>
             <a:r>
               <a:rPr lang="en-US" altLang="zh-CN" dirty="0" smtClean="0"/>
-              <a:t>4</a:t>
+              <a:t>HMM</a:t>
             </a:r>
             <a:r>
               <a:rPr lang="zh-CN" altLang="en-US" dirty="0" smtClean="0"/>
-              <a:t>决定了状态序列，</a:t>
+              <a:t>很像，但是</a:t>
             </a:r>
             <a:r>
               <a:rPr lang="en-US" altLang="zh-CN" dirty="0" smtClean="0"/>
-              <a:t>5</a:t>
+              <a:t>HMM</a:t>
             </a:r>
             <a:r>
               <a:rPr lang="zh-CN" altLang="en-US" dirty="0" smtClean="0"/>
-              <a:t>决定了观测序列，因此</a:t>
+              <a:t>有两个限定条件，一个是齐次马尔可夫假设，就是说</a:t>
             </a:r>
             <a:r>
               <a:rPr lang="en-US" altLang="zh-CN" dirty="0" smtClean="0"/>
-              <a:t>3</a:t>
+              <a:t>HMM</a:t>
             </a:r>
             <a:r>
               <a:rPr lang="zh-CN" altLang="en-US" dirty="0" smtClean="0"/>
-              <a:t>、</a:t>
+              <a:t>的任一时刻</a:t>
             </a:r>
             <a:r>
               <a:rPr lang="en-US" altLang="zh-CN" dirty="0" smtClean="0"/>
-              <a:t>4</a:t>
+              <a:t>t</a:t>
             </a:r>
             <a:r>
               <a:rPr lang="zh-CN" altLang="en-US" dirty="0" smtClean="0"/>
-              <a:t>、</a:t>
+              <a:t>的某一个状态只依赖于其前一时刻的状态，与其他时刻的状态及观测值无关。二是观测独立假设，是说任意时刻的观测值仅仅依赖于当前时刻的状态。</a:t>
             </a:r>
             <a:r>
               <a:rPr lang="en-US" altLang="zh-CN" dirty="0" smtClean="0"/>
-              <a:t>5</a:t>
+              <a:t>CRF</a:t>
             </a:r>
             <a:r>
               <a:rPr lang="zh-CN" altLang="en-US" dirty="0" smtClean="0"/>
-              <a:t>这三条被成为隐马尔可夫模型的三要素</a:t>
+              <a:t>不需要这两种假设，但是</a:t>
+            </a:r>
+            <a:r>
+              <a:rPr lang="en-US" altLang="zh-CN" dirty="0" smtClean="0"/>
+              <a:t>CRF</a:t>
+            </a:r>
+            <a:r>
+              <a:rPr lang="zh-CN" altLang="en-US" dirty="0" smtClean="0"/>
+              <a:t>需要手工定义特征模板。</a:t>
             </a:r>
             <a:endParaRPr lang="zh-CN" altLang="en-US" dirty="0"/>
           </a:p>
@@ -962,7 +883,7 @@
           <a:p>
             <a:fld id="{446F7A48-CBAD-4BDE-987B-C95199978927}" type="slidenum">
               <a:rPr lang="zh-CN" altLang="en-US" smtClean="0"/>
-              <a:t>4</a:t>
+              <a:t>6</a:t>
             </a:fld>
             <a:endParaRPr lang="zh-CN" altLang="en-US"/>
           </a:p>
@@ -971,7 +892,7 @@
     </p:spTree>
     <p:extLst>
       <p:ext uri="{BB962C8B-B14F-4D97-AF65-F5344CB8AC3E}">
-        <p14:creationId xmlns:p14="http://schemas.microsoft.com/office/powerpoint/2010/main" val="1874620989"/>
+        <p14:creationId xmlns:p14="http://schemas.microsoft.com/office/powerpoint/2010/main" val="1134333990"/>
       </p:ext>
     </p:extLst>
   </p:cSld>
@@ -1027,14 +948,55 @@
           <a:p>
             <a:r>
               <a:rPr lang="zh-CN" altLang="en-US" dirty="0" smtClean="0"/>
-              <a:t>发射概率：某一个角色表现为一个词的概率</a:t>
-            </a:r>
-            <a:endParaRPr lang="en-US" altLang="zh-CN" dirty="0" smtClean="0"/>
-          </a:p>
-          <a:p>
+              <a:t>其中，</a:t>
+            </a:r>
+            <a:r>
+              <a:rPr lang="en-US" altLang="zh-CN" dirty="0" smtClean="0"/>
+              <a:t>3</a:t>
+            </a:r>
             <a:r>
               <a:rPr lang="zh-CN" altLang="en-US" dirty="0" smtClean="0"/>
-              <a:t>转移概率：角色之间转移的概率</a:t>
+              <a:t>和</a:t>
+            </a:r>
+            <a:r>
+              <a:rPr lang="en-US" altLang="zh-CN" dirty="0" smtClean="0"/>
+              <a:t>4</a:t>
+            </a:r>
+            <a:r>
+              <a:rPr lang="zh-CN" altLang="en-US" dirty="0" smtClean="0"/>
+              <a:t>决定了状态序列，</a:t>
+            </a:r>
+            <a:r>
+              <a:rPr lang="en-US" altLang="zh-CN" dirty="0" smtClean="0"/>
+              <a:t>5</a:t>
+            </a:r>
+            <a:r>
+              <a:rPr lang="zh-CN" altLang="en-US" dirty="0" smtClean="0"/>
+              <a:t>决定了观测序列，因此</a:t>
+            </a:r>
+            <a:r>
+              <a:rPr lang="en-US" altLang="zh-CN" dirty="0" smtClean="0"/>
+              <a:t>3</a:t>
+            </a:r>
+            <a:r>
+              <a:rPr lang="zh-CN" altLang="en-US" dirty="0" smtClean="0"/>
+              <a:t>、</a:t>
+            </a:r>
+            <a:r>
+              <a:rPr lang="en-US" altLang="zh-CN" dirty="0" smtClean="0"/>
+              <a:t>4</a:t>
+            </a:r>
+            <a:r>
+              <a:rPr lang="zh-CN" altLang="en-US" dirty="0" smtClean="0"/>
+              <a:t>、</a:t>
+            </a:r>
+            <a:r>
+              <a:rPr lang="en-US" altLang="zh-CN" dirty="0" smtClean="0"/>
+              <a:t>5</a:t>
+            </a:r>
+            <a:r>
+              <a:rPr lang="zh-CN" altLang="en-US" dirty="0" smtClean="0"/>
+              <a:t>这三条被成为隐马尔可夫模型的三要素</a:t>
             </a:r>
             <a:endParaRPr lang="zh-CN" altLang="en-US" dirty="0"/>
           </a:p>
@@ -1057,7 +1019,7 @@
           <a:p>
             <a:fld id="{446F7A48-CBAD-4BDE-987B-C95199978927}" type="slidenum">
               <a:rPr lang="zh-CN" altLang="en-US" smtClean="0"/>
-              <a:t>5</a:t>
+              <a:t>7</a:t>
             </a:fld>
             <a:endParaRPr lang="zh-CN" altLang="en-US"/>
           </a:p>
@@ -1066,7 +1028,7 @@
     </p:spTree>
     <p:extLst>
       <p:ext uri="{BB962C8B-B14F-4D97-AF65-F5344CB8AC3E}">
-        <p14:creationId xmlns:p14="http://schemas.microsoft.com/office/powerpoint/2010/main" val="4078429245"/>
+        <p14:creationId xmlns:p14="http://schemas.microsoft.com/office/powerpoint/2010/main" val="1874620989"/>
       </p:ext>
     </p:extLst>
   </p:cSld>
@@ -1121,207 +1083,18 @@
           <a:lstStyle/>
           <a:p>
             <a:r>
-              <a:rPr lang="zh-CN" altLang="zh-CN" sz="1200" kern="1200" dirty="0" smtClean="0">
-                <a:solidFill>
-                  <a:schemeClr val="tx1"/>
-                </a:solidFill>
-                <a:effectLst/>
-                <a:latin typeface="+mn-lt"/>
-                <a:ea typeface="+mn-ea"/>
-                <a:cs typeface="+mn-cs"/>
-              </a:rPr>
-              <a:t>通过对人民日报</a:t>
-            </a:r>
-            <a:r>
-              <a:rPr lang="en-US" altLang="zh-CN" sz="1200" kern="1200" dirty="0" smtClean="0">
-                <a:solidFill>
-                  <a:schemeClr val="tx1"/>
-                </a:solidFill>
-                <a:effectLst/>
-                <a:latin typeface="+mn-lt"/>
-                <a:ea typeface="+mn-ea"/>
-                <a:cs typeface="+mn-cs"/>
-              </a:rPr>
-              <a:t>1998</a:t>
-            </a:r>
-            <a:r>
-              <a:rPr lang="zh-CN" altLang="zh-CN" sz="1200" kern="1200" dirty="0" smtClean="0">
-                <a:solidFill>
-                  <a:schemeClr val="tx1"/>
-                </a:solidFill>
-                <a:effectLst/>
-                <a:latin typeface="+mn-lt"/>
-                <a:ea typeface="+mn-ea"/>
-                <a:cs typeface="+mn-cs"/>
-              </a:rPr>
-              <a:t>年</a:t>
-            </a:r>
-            <a:r>
-              <a:rPr lang="en-US" altLang="zh-CN" sz="1200" kern="1200" dirty="0" smtClean="0">
-                <a:solidFill>
-                  <a:schemeClr val="tx1"/>
-                </a:solidFill>
-                <a:effectLst/>
-                <a:latin typeface="+mn-lt"/>
-                <a:ea typeface="+mn-ea"/>
-                <a:cs typeface="+mn-cs"/>
-              </a:rPr>
-              <a:t>1</a:t>
-            </a:r>
-            <a:r>
-              <a:rPr lang="zh-CN" altLang="zh-CN" sz="1200" kern="1200" dirty="0" smtClean="0">
-                <a:solidFill>
-                  <a:schemeClr val="tx1"/>
-                </a:solidFill>
-                <a:effectLst/>
-                <a:latin typeface="+mn-lt"/>
-                <a:ea typeface="+mn-ea"/>
-                <a:cs typeface="+mn-cs"/>
-              </a:rPr>
-              <a:t>月中的</a:t>
-            </a:r>
-            <a:r>
-              <a:rPr lang="en-US" altLang="zh-CN" sz="1200" kern="1200" dirty="0" smtClean="0">
-                <a:solidFill>
-                  <a:schemeClr val="tx1"/>
-                </a:solidFill>
-                <a:effectLst/>
-                <a:latin typeface="+mn-lt"/>
-                <a:ea typeface="+mn-ea"/>
-                <a:cs typeface="+mn-cs"/>
-              </a:rPr>
-              <a:t>10817</a:t>
-            </a:r>
-            <a:r>
-              <a:rPr lang="zh-CN" altLang="zh-CN" sz="1200" kern="1200" dirty="0" smtClean="0">
-                <a:solidFill>
-                  <a:schemeClr val="tx1"/>
-                </a:solidFill>
-                <a:effectLst/>
-                <a:latin typeface="+mn-lt"/>
-                <a:ea typeface="+mn-ea"/>
-                <a:cs typeface="+mn-cs"/>
-              </a:rPr>
-              <a:t>个机构名的</a:t>
-            </a:r>
-            <a:r>
-              <a:rPr lang="en-US" altLang="zh-CN" sz="1200" kern="1200" dirty="0" smtClean="0">
-                <a:solidFill>
-                  <a:schemeClr val="tx1"/>
-                </a:solidFill>
-                <a:effectLst/>
-                <a:latin typeface="+mn-lt"/>
-                <a:ea typeface="+mn-ea"/>
-                <a:cs typeface="+mn-cs"/>
-              </a:rPr>
-              <a:t>19986</a:t>
-            </a:r>
-            <a:r>
-              <a:rPr lang="zh-CN" altLang="zh-CN" sz="1200" kern="1200" dirty="0" smtClean="0">
-                <a:solidFill>
-                  <a:schemeClr val="tx1"/>
-                </a:solidFill>
-                <a:effectLst/>
-                <a:latin typeface="+mn-lt"/>
-                <a:ea typeface="+mn-ea"/>
-                <a:cs typeface="+mn-cs"/>
-              </a:rPr>
-              <a:t>个前段进行统计，发现它们并非毫无规律可循。在从词性上来分，地名、专有名词、简称、机构名占有相当一部分的比例，而且在普通名词中，又有许多在机构名中经常出现的高频词（其中，“国际”、“中央”等五个高频词占全部名词的四分之一）。</a:t>
-            </a:r>
-            <a:endParaRPr lang="en-US" altLang="zh-CN" sz="1200" kern="1200" dirty="0" smtClean="0">
-              <a:solidFill>
-                <a:schemeClr val="tx1"/>
-              </a:solidFill>
-              <a:effectLst/>
-              <a:latin typeface="+mn-lt"/>
-              <a:ea typeface="+mn-ea"/>
-              <a:cs typeface="+mn-cs"/>
-            </a:endParaRPr>
-          </a:p>
-          <a:p>
-            <a:endParaRPr lang="zh-CN" altLang="zh-CN" sz="1200" kern="1200" dirty="0" smtClean="0">
-              <a:solidFill>
-                <a:schemeClr val="tx1"/>
-              </a:solidFill>
-              <a:effectLst/>
-              <a:latin typeface="+mn-lt"/>
-              <a:ea typeface="+mn-ea"/>
-              <a:cs typeface="+mn-cs"/>
-            </a:endParaRPr>
-          </a:p>
-          <a:p>
-            <a:r>
-              <a:rPr lang="zh-CN" altLang="zh-CN" sz="1200" kern="1200" dirty="0" smtClean="0">
-                <a:solidFill>
-                  <a:schemeClr val="tx1"/>
-                </a:solidFill>
-                <a:effectLst/>
-                <a:latin typeface="+mn-lt"/>
-                <a:ea typeface="+mn-ea"/>
-                <a:cs typeface="+mn-cs"/>
-              </a:rPr>
-              <a:t>机构名不仅在内部用词的词性和用词上具有一定的规律，而且中文机构名的上下文用字相对来说也比较集中，同样具有一定的规律性，机构名的上下文大多是一些连词、动词或者表示职位的名词等。如“董事长”、“经理”等。</a:t>
-            </a:r>
-            <a:endParaRPr lang="en-US" altLang="zh-CN" sz="1200" kern="1200" dirty="0" smtClean="0">
-              <a:solidFill>
-                <a:schemeClr val="tx1"/>
-              </a:solidFill>
-              <a:effectLst/>
-              <a:latin typeface="+mn-lt"/>
-              <a:ea typeface="+mn-ea"/>
-              <a:cs typeface="+mn-cs"/>
-            </a:endParaRPr>
-          </a:p>
-          <a:p>
-            <a:endParaRPr lang="zh-CN" altLang="zh-CN" sz="1200" kern="1200" dirty="0" smtClean="0">
-              <a:solidFill>
-                <a:schemeClr val="tx1"/>
-              </a:solidFill>
-              <a:effectLst/>
-              <a:latin typeface="+mn-lt"/>
-              <a:ea typeface="+mn-ea"/>
-              <a:cs typeface="+mn-cs"/>
-            </a:endParaRPr>
-          </a:p>
-          <a:p>
-            <a:r>
-              <a:rPr lang="zh-CN" altLang="zh-CN" sz="1200" kern="1200" dirty="0" smtClean="0">
-                <a:solidFill>
-                  <a:schemeClr val="tx1"/>
-                </a:solidFill>
-                <a:effectLst/>
-                <a:latin typeface="+mn-lt"/>
-                <a:ea typeface="+mn-ea"/>
-                <a:cs typeface="+mn-cs"/>
-              </a:rPr>
-              <a:t>为了充分利用机构名构成上的这些特点，我们</a:t>
-            </a:r>
-            <a:r>
-              <a:rPr lang="zh-CN" altLang="en-US" sz="1200" kern="1200" dirty="0" smtClean="0">
-                <a:solidFill>
-                  <a:schemeClr val="tx1"/>
-                </a:solidFill>
-                <a:effectLst/>
-                <a:latin typeface="+mn-lt"/>
-                <a:ea typeface="+mn-ea"/>
-                <a:cs typeface="+mn-cs"/>
-              </a:rPr>
-              <a:t>可以使用一种</a:t>
-            </a:r>
-            <a:r>
-              <a:rPr lang="zh-CN" altLang="zh-CN" sz="1200" kern="1200" dirty="0" smtClean="0">
-                <a:solidFill>
-                  <a:schemeClr val="tx1"/>
-                </a:solidFill>
-                <a:effectLst/>
-                <a:latin typeface="+mn-lt"/>
-                <a:ea typeface="+mn-ea"/>
-                <a:cs typeface="+mn-cs"/>
-              </a:rPr>
-              <a:t>基于角色标注的中文机构名自动识别方法。根据每个字词在机构名构成中的不同作用，我们把它们分成各个不同的角色。</a:t>
+              <a:rPr lang="zh-CN" altLang="en-US" dirty="0" smtClean="0"/>
+              <a:t>发射概率：某一个角色表现为一个词的概率</a:t>
             </a:r>
             <a:endParaRPr lang="en-US" altLang="zh-CN" dirty="0" smtClean="0"/>
           </a:p>
+          <a:p>
+            <a:r>
+              <a:rPr lang="zh-CN" altLang="en-US" dirty="0" smtClean="0"/>
+              <a:t>转移概率：角色之间转移的概率</a:t>
+            </a:r>
+            <a:endParaRPr lang="zh-CN" altLang="en-US" dirty="0"/>
+          </a:p>
         </p:txBody>
       </p:sp>
       <p:sp>
@@ -1341,7 +1114,7 @@
           <a:p>
             <a:fld id="{446F7A48-CBAD-4BDE-987B-C95199978927}" type="slidenum">
               <a:rPr lang="zh-CN" altLang="en-US" smtClean="0"/>
-              <a:t>6</a:t>
+              <a:t>8</a:t>
             </a:fld>
             <a:endParaRPr lang="zh-CN" altLang="en-US"/>
           </a:p>
@@ -1350,7 +1123,231 @@
     </p:spTree>
     <p:extLst>
       <p:ext uri="{BB962C8B-B14F-4D97-AF65-F5344CB8AC3E}">
-        <p14:creationId xmlns:p14="http://schemas.microsoft.com/office/powerpoint/2010/main" val="2364343928"/>
+        <p14:creationId xmlns:p14="http://schemas.microsoft.com/office/powerpoint/2010/main" val="4078429245"/>
+      </p:ext>
+    </p:extLst>
+  </p:cSld>
+  <p:clrMapOvr>
+    <a:masterClrMapping/>
+  </p:clrMapOvr>
+</p:notes>
+</file>
+
+<file path=ppt/notesSlides/notesSlide7.xml><?xml version="1.0" encoding="utf-8"?>
+<p:notes xmlns:a="http://schemas.openxmlformats.org/drawingml/2006/main" xmlns:r="http://schemas.openxmlformats.org/officeDocument/2006/relationships" xmlns:p="http://schemas.openxmlformats.org/presentationml/2006/main">
+  <p:cSld>
+    <p:spTree>
+      <p:nvGrpSpPr>
+        <p:cNvPr id="1" name=""/>
+        <p:cNvGrpSpPr/>
+        <p:nvPr/>
+      </p:nvGrpSpPr>
+      <p:grpSpPr>
+        <a:xfrm>
+          <a:off x="0" y="0"/>
+          <a:ext cx="0" cy="0"/>
+          <a:chOff x="0" y="0"/>
+          <a:chExt cx="0" cy="0"/>
+        </a:xfrm>
+      </p:grpSpPr>
+      <p:sp>
+        <p:nvSpPr>
+          <p:cNvPr id="2" name="幻灯片图像占位符 1"/>
+          <p:cNvSpPr>
+            <a:spLocks noGrp="1" noRot="1" noChangeAspect="1"/>
+          </p:cNvSpPr>
+          <p:nvPr>
+            <p:ph type="sldImg"/>
+          </p:nvPr>
+        </p:nvSpPr>
+        <p:spPr/>
+      </p:sp>
+      <p:sp>
+        <p:nvSpPr>
+          <p:cNvPr id="3" name="备注占位符 2"/>
+          <p:cNvSpPr>
+            <a:spLocks noGrp="1"/>
+          </p:cNvSpPr>
+          <p:nvPr>
+            <p:ph type="body" idx="1"/>
+          </p:nvPr>
+        </p:nvSpPr>
+        <p:spPr/>
+        <p:txBody>
+          <a:bodyPr/>
+          <a:lstStyle/>
+          <a:p>
+            <a:r>
+              <a:rPr lang="en-US" altLang="zh-CN" dirty="0" smtClean="0"/>
+              <a:t>B-PER</a:t>
+            </a:r>
+            <a:r>
+              <a:rPr lang="zh-CN" altLang="en-US" dirty="0" smtClean="0"/>
+              <a:t>、</a:t>
+            </a:r>
+            <a:r>
+              <a:rPr lang="en-US" altLang="zh-CN" dirty="0" smtClean="0"/>
+              <a:t>I-PER</a:t>
+            </a:r>
+            <a:r>
+              <a:rPr lang="zh-CN" altLang="en-US" dirty="0" smtClean="0"/>
+              <a:t>代表人名首字、人名非首字，</a:t>
+            </a:r>
+            <a:r>
+              <a:rPr lang="en-US" altLang="zh-CN" dirty="0" smtClean="0"/>
+              <a:t>B-LOC</a:t>
+            </a:r>
+            <a:r>
+              <a:rPr lang="zh-CN" altLang="en-US" dirty="0" smtClean="0"/>
+              <a:t>、</a:t>
+            </a:r>
+            <a:r>
+              <a:rPr lang="en-US" altLang="zh-CN" dirty="0" smtClean="0"/>
+              <a:t>I-LOC</a:t>
+            </a:r>
+            <a:r>
+              <a:rPr lang="zh-CN" altLang="en-US" dirty="0" smtClean="0"/>
+              <a:t>代表地名首字、地名非首字，</a:t>
+            </a:r>
+            <a:r>
+              <a:rPr lang="en-US" altLang="zh-CN" dirty="0" smtClean="0"/>
+              <a:t>B-ORG</a:t>
+            </a:r>
+            <a:r>
+              <a:rPr lang="zh-CN" altLang="en-US" dirty="0" smtClean="0"/>
+              <a:t>、</a:t>
+            </a:r>
+            <a:r>
+              <a:rPr lang="en-US" altLang="zh-CN" dirty="0" smtClean="0"/>
+              <a:t>I-ORG</a:t>
+            </a:r>
+            <a:r>
+              <a:rPr lang="zh-CN" altLang="en-US" dirty="0" smtClean="0"/>
+              <a:t>代表组织机构名首字、组织机构名非首字，</a:t>
+            </a:r>
+            <a:r>
+              <a:rPr lang="en-US" altLang="zh-CN" dirty="0" smtClean="0"/>
+              <a:t>O</a:t>
+            </a:r>
+            <a:r>
+              <a:rPr lang="zh-CN" altLang="en-US" dirty="0" smtClean="0"/>
+              <a:t>代表改字不属于命名实体的一部分。</a:t>
+            </a:r>
+            <a:endParaRPr lang="zh-CN" altLang="en-US" dirty="0"/>
+          </a:p>
+        </p:txBody>
+      </p:sp>
+      <p:sp>
+        <p:nvSpPr>
+          <p:cNvPr id="4" name="灯片编号占位符 3"/>
+          <p:cNvSpPr>
+            <a:spLocks noGrp="1"/>
+          </p:cNvSpPr>
+          <p:nvPr>
+            <p:ph type="sldNum" sz="quarter" idx="10"/>
+          </p:nvPr>
+        </p:nvSpPr>
+        <p:spPr/>
+        <p:txBody>
+          <a:bodyPr/>
+          <a:lstStyle/>
+          <a:p>
+            <a:fld id="{446F7A48-CBAD-4BDE-987B-C95199978927}" type="slidenum">
+              <a:rPr lang="zh-CN" altLang="en-US" smtClean="0"/>
+              <a:t>9</a:t>
+            </a:fld>
+            <a:endParaRPr lang="zh-CN" altLang="en-US"/>
+          </a:p>
+        </p:txBody>
+      </p:sp>
+    </p:spTree>
+    <p:extLst>
+      <p:ext uri="{BB962C8B-B14F-4D97-AF65-F5344CB8AC3E}">
+        <p14:creationId xmlns:p14="http://schemas.microsoft.com/office/powerpoint/2010/main" val="1745645483"/>
+      </p:ext>
+    </p:extLst>
+  </p:cSld>
+  <p:clrMapOvr>
+    <a:masterClrMapping/>
+  </p:clrMapOvr>
+</p:notes>
+</file>
+
+<file path=ppt/notesSlides/notesSlide8.xml><?xml version="1.0" encoding="utf-8"?>
+<p:notes xmlns:a="http://schemas.openxmlformats.org/drawingml/2006/main" xmlns:r="http://schemas.openxmlformats.org/officeDocument/2006/relationships" xmlns:p="http://schemas.openxmlformats.org/presentationml/2006/main">
+  <p:cSld>
+    <p:spTree>
+      <p:nvGrpSpPr>
+        <p:cNvPr id="1" name=""/>
+        <p:cNvGrpSpPr/>
+        <p:nvPr/>
+      </p:nvGrpSpPr>
+      <p:grpSpPr>
+        <a:xfrm>
+          <a:off x="0" y="0"/>
+          <a:ext cx="0" cy="0"/>
+          <a:chOff x="0" y="0"/>
+          <a:chExt cx="0" cy="0"/>
+        </a:xfrm>
+      </p:grpSpPr>
+      <p:sp>
+        <p:nvSpPr>
+          <p:cNvPr id="2" name="幻灯片图像占位符 1"/>
+          <p:cNvSpPr>
+            <a:spLocks noGrp="1" noRot="1" noChangeAspect="1"/>
+          </p:cNvSpPr>
+          <p:nvPr>
+            <p:ph type="sldImg"/>
+          </p:nvPr>
+        </p:nvSpPr>
+        <p:spPr/>
+      </p:sp>
+      <p:sp>
+        <p:nvSpPr>
+          <p:cNvPr id="3" name="备注占位符 2"/>
+          <p:cNvSpPr>
+            <a:spLocks noGrp="1"/>
+          </p:cNvSpPr>
+          <p:nvPr>
+            <p:ph type="body" idx="1"/>
+          </p:nvPr>
+        </p:nvSpPr>
+        <p:spPr/>
+        <p:txBody>
+          <a:bodyPr/>
+          <a:lstStyle/>
+          <a:p>
+            <a:endParaRPr lang="zh-CN" altLang="en-US" dirty="0"/>
+          </a:p>
+        </p:txBody>
+      </p:sp>
+      <p:sp>
+        <p:nvSpPr>
+          <p:cNvPr id="4" name="灯片编号占位符 3"/>
+          <p:cNvSpPr>
+            <a:spLocks noGrp="1"/>
+          </p:cNvSpPr>
+          <p:nvPr>
+            <p:ph type="sldNum" sz="quarter" idx="10"/>
+          </p:nvPr>
+        </p:nvSpPr>
+        <p:spPr/>
+        <p:txBody>
+          <a:bodyPr/>
+          <a:lstStyle/>
+          <a:p>
+            <a:fld id="{446F7A48-CBAD-4BDE-987B-C95199978927}" type="slidenum">
+              <a:rPr lang="zh-CN" altLang="en-US" smtClean="0"/>
+              <a:t>10</a:t>
+            </a:fld>
+            <a:endParaRPr lang="zh-CN" altLang="en-US"/>
+          </a:p>
+        </p:txBody>
+      </p:sp>
+    </p:spTree>
+    <p:extLst>
+      <p:ext uri="{BB962C8B-B14F-4D97-AF65-F5344CB8AC3E}">
+        <p14:creationId xmlns:p14="http://schemas.microsoft.com/office/powerpoint/2010/main" val="1195810283"/>
       </p:ext>
     </p:extLst>
   </p:cSld>
@@ -1491,7 +1488,7 @@
           <a:p>
             <a:fld id="{0E47E631-FA1D-492F-9BCA-98ACF64081C4}" type="datetimeFigureOut">
               <a:rPr lang="zh-CN" altLang="en-US" smtClean="0"/>
-              <a:t>2019/3/19</a:t>
+              <a:t>2019/3/20</a:t>
             </a:fld>
             <a:endParaRPr lang="zh-CN" altLang="en-US"/>
           </a:p>
@@ -1661,7 +1658,7 @@
           <a:p>
             <a:fld id="{0E47E631-FA1D-492F-9BCA-98ACF64081C4}" type="datetimeFigureOut">
               <a:rPr lang="zh-CN" altLang="en-US" smtClean="0"/>
-              <a:t>2019/3/19</a:t>
+              <a:t>2019/3/20</a:t>
             </a:fld>
             <a:endParaRPr lang="zh-CN" altLang="en-US"/>
           </a:p>
@@ -1841,7 +1838,7 @@
           <a:p>
             <a:fld id="{0E47E631-FA1D-492F-9BCA-98ACF64081C4}" type="datetimeFigureOut">
               <a:rPr lang="zh-CN" altLang="en-US" smtClean="0"/>
-              <a:t>2019/3/19</a:t>
+              <a:t>2019/3/20</a:t>
             </a:fld>
             <a:endParaRPr lang="zh-CN" altLang="en-US"/>
           </a:p>
@@ -2011,7 +2008,7 @@
           <a:p>
             <a:fld id="{0E47E631-FA1D-492F-9BCA-98ACF64081C4}" type="datetimeFigureOut">
               <a:rPr lang="zh-CN" altLang="en-US" smtClean="0"/>
-              <a:t>2019/3/19</a:t>
+              <a:t>2019/3/20</a:t>
             </a:fld>
             <a:endParaRPr lang="zh-CN" altLang="en-US"/>
           </a:p>
@@ -2257,7 +2254,7 @@
           <a:p>
             <a:fld id="{0E47E631-FA1D-492F-9BCA-98ACF64081C4}" type="datetimeFigureOut">
               <a:rPr lang="zh-CN" altLang="en-US" smtClean="0"/>
-              <a:t>2019/3/19</a:t>
+              <a:t>2019/3/20</a:t>
             </a:fld>
             <a:endParaRPr lang="zh-CN" altLang="en-US"/>
           </a:p>
@@ -2489,7 +2486,7 @@
           <a:p>
             <a:fld id="{0E47E631-FA1D-492F-9BCA-98ACF64081C4}" type="datetimeFigureOut">
               <a:rPr lang="zh-CN" altLang="en-US" smtClean="0"/>
-              <a:t>2019/3/19</a:t>
+              <a:t>2019/3/20</a:t>
             </a:fld>
             <a:endParaRPr lang="zh-CN" altLang="en-US"/>
           </a:p>
@@ -2856,7 +2853,7 @@
           <a:p>
             <a:fld id="{0E47E631-FA1D-492F-9BCA-98ACF64081C4}" type="datetimeFigureOut">
               <a:rPr lang="zh-CN" altLang="en-US" smtClean="0"/>
-              <a:t>2019/3/19</a:t>
+              <a:t>2019/3/20</a:t>
             </a:fld>
             <a:endParaRPr lang="zh-CN" altLang="en-US"/>
           </a:p>
@@ -2974,7 +2971,7 @@
           <a:p>
             <a:fld id="{0E47E631-FA1D-492F-9BCA-98ACF64081C4}" type="datetimeFigureOut">
               <a:rPr lang="zh-CN" altLang="en-US" smtClean="0"/>
-              <a:t>2019/3/19</a:t>
+              <a:t>2019/3/20</a:t>
             </a:fld>
             <a:endParaRPr lang="zh-CN" altLang="en-US"/>
           </a:p>
@@ -3069,7 +3066,7 @@
           <a:p>
             <a:fld id="{0E47E631-FA1D-492F-9BCA-98ACF64081C4}" type="datetimeFigureOut">
               <a:rPr lang="zh-CN" altLang="en-US" smtClean="0"/>
-              <a:t>2019/3/19</a:t>
+              <a:t>2019/3/20</a:t>
             </a:fld>
             <a:endParaRPr lang="zh-CN" altLang="en-US"/>
           </a:p>
@@ -3346,7 +3343,7 @@
           <a:p>
             <a:fld id="{0E47E631-FA1D-492F-9BCA-98ACF64081C4}" type="datetimeFigureOut">
               <a:rPr lang="zh-CN" altLang="en-US" smtClean="0"/>
-              <a:t>2019/3/19</a:t>
+              <a:t>2019/3/20</a:t>
             </a:fld>
             <a:endParaRPr lang="zh-CN" altLang="en-US"/>
           </a:p>
@@ -3599,7 +3596,7 @@
           <a:p>
             <a:fld id="{0E47E631-FA1D-492F-9BCA-98ACF64081C4}" type="datetimeFigureOut">
               <a:rPr lang="zh-CN" altLang="en-US" smtClean="0"/>
-              <a:t>2019/3/19</a:t>
+              <a:t>2019/3/20</a:t>
             </a:fld>
             <a:endParaRPr lang="zh-CN" altLang="en-US"/>
           </a:p>
@@ -3812,7 +3809,7 @@
           <a:p>
             <a:fld id="{0E47E631-FA1D-492F-9BCA-98ACF64081C4}" type="datetimeFigureOut">
               <a:rPr lang="zh-CN" altLang="en-US" smtClean="0"/>
-              <a:t>2019/3/19</a:t>
+              <a:t>2019/3/20</a:t>
             </a:fld>
             <a:endParaRPr lang="zh-CN" altLang="en-US"/>
           </a:p>
@@ -4319,6 +4316,217 @@
 </p:sld>
 </file>
 
+<file path=ppt/slides/slide10.xml><?xml version="1.0" encoding="utf-8"?>
+<p:sld xmlns:a="http://schemas.openxmlformats.org/drawingml/2006/main" xmlns:r="http://schemas.openxmlformats.org/officeDocument/2006/relationships" xmlns:p="http://schemas.openxmlformats.org/presentationml/2006/main">
+  <p:cSld>
+    <p:spTree>
+      <p:nvGrpSpPr>
+        <p:cNvPr id="1" name=""/>
+        <p:cNvGrpSpPr/>
+        <p:nvPr/>
+      </p:nvGrpSpPr>
+      <p:grpSpPr>
+        <a:xfrm>
+          <a:off x="0" y="0"/>
+          <a:ext cx="0" cy="0"/>
+          <a:chOff x="0" y="0"/>
+          <a:chExt cx="0" cy="0"/>
+        </a:xfrm>
+      </p:grpSpPr>
+      <p:sp>
+        <p:nvSpPr>
+          <p:cNvPr id="2" name="标题 1"/>
+          <p:cNvSpPr>
+            <a:spLocks noGrp="1"/>
+          </p:cNvSpPr>
+          <p:nvPr>
+            <p:ph type="title"/>
+          </p:nvPr>
+        </p:nvSpPr>
+        <p:spPr/>
+        <p:txBody>
+          <a:bodyPr/>
+          <a:lstStyle/>
+          <a:p>
+            <a:pPr algn="ctr"/>
+            <a:r>
+              <a:rPr lang="zh-CN" altLang="en-US" dirty="0" smtClean="0"/>
+              <a:t>研究内容</a:t>
+            </a:r>
+            <a:endParaRPr lang="zh-CN" altLang="en-US" dirty="0"/>
+          </a:p>
+        </p:txBody>
+      </p:sp>
+      <p:sp>
+        <p:nvSpPr>
+          <p:cNvPr id="5" name="内容占位符 4"/>
+          <p:cNvSpPr>
+            <a:spLocks noGrp="1"/>
+          </p:cNvSpPr>
+          <p:nvPr>
+            <p:ph idx="1"/>
+          </p:nvPr>
+        </p:nvSpPr>
+        <p:spPr>
+          <a:xfrm>
+            <a:off x="838200" y="1690688"/>
+            <a:ext cx="10515600" cy="4351338"/>
+          </a:xfrm>
+        </p:spPr>
+        <p:txBody>
+          <a:bodyPr/>
+          <a:lstStyle/>
+          <a:p>
+            <a:r>
+              <a:rPr lang="en-US" altLang="zh-CN" dirty="0"/>
+              <a:t>2</a:t>
+            </a:r>
+            <a:r>
+              <a:rPr lang="zh-CN" altLang="en-US" dirty="0" smtClean="0"/>
+              <a:t>、机构名简称识别</a:t>
+            </a:r>
+            <a:endParaRPr lang="zh-CN" altLang="en-US" dirty="0"/>
+          </a:p>
+        </p:txBody>
+      </p:sp>
+      <p:pic>
+        <p:nvPicPr>
+          <p:cNvPr id="3" name="图片 2"/>
+          <p:cNvPicPr>
+            <a:picLocks noChangeAspect="1"/>
+          </p:cNvPicPr>
+          <p:nvPr/>
+        </p:nvPicPr>
+        <p:blipFill>
+          <a:blip r:embed="rId3"/>
+          <a:stretch>
+            <a:fillRect/>
+          </a:stretch>
+        </p:blipFill>
+        <p:spPr>
+          <a:xfrm>
+            <a:off x="2970218" y="2438017"/>
+            <a:ext cx="5471634" cy="4419983"/>
+          </a:xfrm>
+          <a:prstGeom prst="rect">
+            <a:avLst/>
+          </a:prstGeom>
+        </p:spPr>
+      </p:pic>
+    </p:spTree>
+    <p:extLst>
+      <p:ext uri="{BB962C8B-B14F-4D97-AF65-F5344CB8AC3E}">
+        <p14:creationId xmlns:p14="http://schemas.microsoft.com/office/powerpoint/2010/main" val="75435498"/>
+      </p:ext>
+    </p:extLst>
+  </p:cSld>
+  <p:clrMapOvr>
+    <a:masterClrMapping/>
+  </p:clrMapOvr>
+  <p:timing>
+    <p:tnLst>
+      <p:par>
+        <p:cTn id="1" dur="indefinite" restart="never" nodeType="tmRoot"/>
+      </p:par>
+    </p:tnLst>
+  </p:timing>
+</p:sld>
+</file>
+
+<file path=ppt/slides/slide11.xml><?xml version="1.0" encoding="utf-8"?>
+<p:sld xmlns:a="http://schemas.openxmlformats.org/drawingml/2006/main" xmlns:r="http://schemas.openxmlformats.org/officeDocument/2006/relationships" xmlns:p="http://schemas.openxmlformats.org/presentationml/2006/main">
+  <p:cSld>
+    <p:spTree>
+      <p:nvGrpSpPr>
+        <p:cNvPr id="1" name=""/>
+        <p:cNvGrpSpPr/>
+        <p:nvPr/>
+      </p:nvGrpSpPr>
+      <p:grpSpPr>
+        <a:xfrm>
+          <a:off x="0" y="0"/>
+          <a:ext cx="0" cy="0"/>
+          <a:chOff x="0" y="0"/>
+          <a:chExt cx="0" cy="0"/>
+        </a:xfrm>
+      </p:grpSpPr>
+      <p:sp>
+        <p:nvSpPr>
+          <p:cNvPr id="2" name="标题 1"/>
+          <p:cNvSpPr>
+            <a:spLocks noGrp="1"/>
+          </p:cNvSpPr>
+          <p:nvPr>
+            <p:ph type="title"/>
+          </p:nvPr>
+        </p:nvSpPr>
+        <p:spPr/>
+        <p:txBody>
+          <a:bodyPr/>
+          <a:lstStyle/>
+          <a:p>
+            <a:endParaRPr lang="zh-CN" altLang="en-US"/>
+          </a:p>
+        </p:txBody>
+      </p:sp>
+      <p:sp>
+        <p:nvSpPr>
+          <p:cNvPr id="4" name="标题 1"/>
+          <p:cNvSpPr>
+            <a:spLocks noGrp="1"/>
+          </p:cNvSpPr>
+          <p:nvPr>
+            <p:ph idx="1"/>
+          </p:nvPr>
+        </p:nvSpPr>
+        <p:spPr/>
+        <p:txBody>
+          <a:bodyPr>
+            <a:normAutofit/>
+          </a:bodyPr>
+          <a:lstStyle/>
+          <a:p>
+            <a:pPr algn="ctr"/>
+            <a:endParaRPr lang="en-US" altLang="zh-CN" sz="8000" dirty="0" smtClean="0">
+              <a:latin typeface="Calibri Light" panose="020F0302020204030204" pitchFamily="34" charset="0"/>
+            </a:endParaRPr>
+          </a:p>
+          <a:p>
+            <a:pPr marL="0" indent="0" algn="ctr">
+              <a:buNone/>
+            </a:pPr>
+            <a:r>
+              <a:rPr lang="en-US" altLang="zh-CN" sz="8000" dirty="0" smtClean="0">
+                <a:latin typeface="Calibri Light" panose="020F0302020204030204" pitchFamily="34" charset="0"/>
+              </a:rPr>
+              <a:t>Q  &amp;  A</a:t>
+            </a:r>
+            <a:endParaRPr lang="zh-CN" altLang="en-US" sz="8000" dirty="0">
+              <a:latin typeface="Calibri Light" panose="020F0302020204030204" pitchFamily="34" charset="0"/>
+            </a:endParaRPr>
+          </a:p>
+        </p:txBody>
+      </p:sp>
+    </p:spTree>
+    <p:extLst>
+      <p:ext uri="{BB962C8B-B14F-4D97-AF65-F5344CB8AC3E}">
+        <p14:creationId xmlns:p14="http://schemas.microsoft.com/office/powerpoint/2010/main" val="3834767894"/>
+      </p:ext>
+    </p:extLst>
+  </p:cSld>
+  <p:clrMapOvr>
+    <a:masterClrMapping/>
+  </p:clrMapOvr>
+  <p:timing>
+    <p:tnLst>
+      <p:par>
+        <p:cTn id="1" dur="indefinite" restart="never" nodeType="tmRoot"/>
+      </p:par>
+    </p:tnLst>
+  </p:timing>
+</p:sld>
+</file>
+
 <file path=ppt/slides/slide2.xml><?xml version="1.0" encoding="utf-8"?>
 <p:sld xmlns:a="http://schemas.openxmlformats.org/drawingml/2006/main" xmlns:r="http://schemas.openxmlformats.org/officeDocument/2006/relationships" xmlns:p="http://schemas.openxmlformats.org/presentationml/2006/main">
   <p:cSld>
@@ -4338,6 +4546,30 @@
       </p:grpSpPr>
       <p:sp>
         <p:nvSpPr>
+          <p:cNvPr id="2" name="标题 1"/>
+          <p:cNvSpPr>
+            <a:spLocks noGrp="1"/>
+          </p:cNvSpPr>
+          <p:nvPr>
+            <p:ph type="title"/>
+          </p:nvPr>
+        </p:nvSpPr>
+        <p:spPr/>
+        <p:txBody>
+          <a:bodyPr/>
+          <a:lstStyle/>
+          <a:p>
+            <a:pPr algn="ctr"/>
+            <a:r>
+              <a:rPr lang="zh-CN" altLang="en-US" dirty="0" smtClean="0"/>
+              <a:t>研究背景</a:t>
+            </a:r>
+            <a:endParaRPr lang="zh-CN" altLang="en-US" dirty="0"/>
+          </a:p>
+        </p:txBody>
+      </p:sp>
+      <p:sp>
+        <p:nvSpPr>
           <p:cNvPr id="3" name="内容占位符 2"/>
           <p:cNvSpPr>
             <a:spLocks noGrp="1"/>
@@ -4346,65 +4578,22 @@
             <p:ph idx="1"/>
           </p:nvPr>
         </p:nvSpPr>
-        <p:spPr>
-          <a:xfrm>
-            <a:off x="487240" y="1932447"/>
-            <a:ext cx="6075485" cy="5551854"/>
-          </a:xfrm>
-        </p:spPr>
-        <p:txBody>
-          <a:bodyPr/>
-          <a:lstStyle/>
-          <a:p>
-            <a:pPr marL="0" indent="0">
-              <a:buNone/>
-            </a:pPr>
-            <a:endParaRPr lang="en-US" altLang="zh-CN" sz="2800" dirty="0">
-              <a:solidFill>
-                <a:prstClr val="black"/>
-              </a:solidFill>
-              <a:latin typeface="Calibri Light" panose="020F0302020204030204" pitchFamily="34" charset="0"/>
-              <a:ea typeface="等线 Light" panose="02010600030101010101" pitchFamily="2" charset="-122"/>
-            </a:endParaRPr>
-          </a:p>
-          <a:p>
-            <a:pPr marL="0" indent="0">
-              <a:buNone/>
-            </a:pPr>
-            <a:endParaRPr lang="zh-CN" altLang="en-US" sz="2800" dirty="0">
-              <a:solidFill>
-                <a:prstClr val="black"/>
-              </a:solidFill>
-              <a:latin typeface="Calibri Light" panose="020F0302020204030204" pitchFamily="34" charset="0"/>
-              <a:ea typeface="等线 Light" panose="02010600030101010101" pitchFamily="2" charset="-122"/>
-            </a:endParaRPr>
-          </a:p>
-        </p:txBody>
-      </p:sp>
-      <p:sp>
-        <p:nvSpPr>
-          <p:cNvPr id="8" name="标题 1"/>
-          <p:cNvSpPr>
-            <a:spLocks noGrp="1"/>
-          </p:cNvSpPr>
-          <p:nvPr>
-            <p:ph type="title"/>
-          </p:nvPr>
-        </p:nvSpPr>
-        <p:spPr>
-          <a:xfrm>
-            <a:off x="838200" y="365125"/>
-            <a:ext cx="10515600" cy="1325563"/>
-          </a:xfrm>
-        </p:spPr>
-        <p:txBody>
-          <a:bodyPr/>
-          <a:lstStyle/>
-          <a:p>
-            <a:pPr algn="ctr"/>
+        <p:spPr/>
+        <p:txBody>
+          <a:bodyPr/>
+          <a:lstStyle/>
+          <a:p>
             <a:r>
               <a:rPr lang="zh-CN" altLang="en-US" dirty="0" smtClean="0"/>
-              <a:t>问题描述</a:t>
+              <a:t>以电子形式存储的文本数据正以爆炸式的速度增长。快速从大量数据中挖掘和提取出所需的信息，变得极为重要。靠人力从海量数据中逐条提取是不现实的，于是，利用机器进行自然语言处理、文本挖掘、信息抽取、模式识别等成为近些年来的热门研究</a:t>
+            </a:r>
+            <a:r>
+              <a:rPr lang="en-US" altLang="zh-CN" dirty="0" smtClean="0"/>
+              <a:t>l</a:t>
+            </a:r>
+            <a:r>
+              <a:rPr lang="zh-CN" altLang="en-US" dirty="0" smtClean="0"/>
+              <a:t>领域。                                                                                                                                                                                                                                                                                                                                                                                                                                                                                                                                                                                                                                                                                                                                                                                                                                                                                                                                                                                                                                                                                                                                                                                                                                                                                                                                                                                                                                                                                                                                                                                                                                                                                                                                                                                                                                                                                                                                                                                                                                                                                                                                                                                                                                                                                                                                                                                                                                                                                                                                                                                                                                                                                                                                                                                                                                                                                                                                                                                                                                                                                                                                                                                                                                                                                                                                                                                                           </a:t>
             </a:r>
             <a:endParaRPr lang="zh-CN" altLang="en-US" dirty="0"/>
           </a:p>
@@ -4413,7 +4602,7 @@
     </p:spTree>
     <p:extLst>
       <p:ext uri="{BB962C8B-B14F-4D97-AF65-F5344CB8AC3E}">
-        <p14:creationId xmlns:p14="http://schemas.microsoft.com/office/powerpoint/2010/main" val="2040548351"/>
+        <p14:creationId xmlns:p14="http://schemas.microsoft.com/office/powerpoint/2010/main" val="2014019219"/>
       </p:ext>
     </p:extLst>
   </p:cSld>
@@ -4449,7 +4638,7 @@
       </p:grpSpPr>
       <p:sp>
         <p:nvSpPr>
-          <p:cNvPr id="6" name="标题 1"/>
+          <p:cNvPr id="2" name="标题 1"/>
           <p:cNvSpPr>
             <a:spLocks noGrp="1"/>
           </p:cNvSpPr>
@@ -4457,52 +4646,107 @@
             <p:ph type="title"/>
           </p:nvPr>
         </p:nvSpPr>
-        <p:spPr>
-          <a:xfrm>
-            <a:off x="838200" y="365125"/>
-            <a:ext cx="10515600" cy="1325563"/>
-          </a:xfrm>
-        </p:spPr>
+        <p:spPr/>
         <p:txBody>
           <a:bodyPr/>
           <a:lstStyle/>
           <a:p>
             <a:pPr algn="ctr"/>
             <a:r>
+              <a:rPr lang="zh-CN" altLang="en-US" dirty="0" smtClean="0"/>
+              <a:t>研究背景</a:t>
+            </a:r>
+            <a:endParaRPr lang="zh-CN" altLang="en-US" dirty="0"/>
+          </a:p>
+        </p:txBody>
+      </p:sp>
+      <p:sp>
+        <p:nvSpPr>
+          <p:cNvPr id="3" name="内容占位符 2"/>
+          <p:cNvSpPr>
+            <a:spLocks noGrp="1"/>
+          </p:cNvSpPr>
+          <p:nvPr>
+            <p:ph idx="1"/>
+          </p:nvPr>
+        </p:nvSpPr>
+        <p:spPr/>
+        <p:txBody>
+          <a:bodyPr/>
+          <a:lstStyle/>
+          <a:p>
+            <a:r>
+              <a:rPr lang="zh-CN" altLang="en-US" dirty="0"/>
+              <a:t>相比</a:t>
+            </a:r>
+            <a:r>
+              <a:rPr lang="zh-CN" altLang="en-US" dirty="0" smtClean="0"/>
+              <a:t>于英文，针对中文机构的</a:t>
+            </a:r>
+            <a:r>
               <a:rPr lang="en-US" altLang="zh-CN" dirty="0" smtClean="0"/>
-              <a:t>LSTM</a:t>
+              <a:t>NER</a:t>
             </a:r>
             <a:r>
               <a:rPr lang="zh-CN" altLang="en-US" dirty="0" smtClean="0"/>
-              <a:t>（长短期记忆网络）</a:t>
+              <a:t>任务往往更具有挑战性，下面列举几点：</a:t>
+            </a:r>
+            <a:endParaRPr lang="en-US" altLang="zh-CN" dirty="0" smtClean="0"/>
+          </a:p>
+          <a:p>
+            <a:endParaRPr lang="en-US" altLang="zh-CN" dirty="0"/>
+          </a:p>
+          <a:p>
+            <a:r>
+              <a:rPr lang="zh-CN" altLang="en-US" dirty="0" smtClean="0"/>
+              <a:t>（</a:t>
+            </a:r>
+            <a:r>
+              <a:rPr lang="en-US" altLang="zh-CN" dirty="0" smtClean="0"/>
+              <a:t>1</a:t>
+            </a:r>
+            <a:r>
+              <a:rPr lang="zh-CN" altLang="en-US" dirty="0" smtClean="0"/>
+              <a:t>）中文没有空格作为词语的界限标志，而且词在中文里是一个模糊的概念，中文也不具备英文中的字母大小写等形态指示</a:t>
+            </a:r>
+            <a:endParaRPr lang="en-US" altLang="zh-CN" dirty="0"/>
+          </a:p>
+          <a:p>
+            <a:r>
+              <a:rPr lang="zh-CN" altLang="en-US" dirty="0" smtClean="0"/>
+              <a:t>（</a:t>
+            </a:r>
+            <a:r>
+              <a:rPr lang="en-US" altLang="zh-CN" dirty="0" smtClean="0"/>
+              <a:t>2</a:t>
+            </a:r>
+            <a:r>
+              <a:rPr lang="zh-CN" altLang="en-US" dirty="0" smtClean="0"/>
+              <a:t>）机构实体存在嵌套现象，如“北京大学第三医院”这一组织机构名中还嵌套着同样可以作为组织机构名的“北京大学”。</a:t>
+            </a:r>
+            <a:endParaRPr lang="en-US" altLang="zh-CN" dirty="0" smtClean="0"/>
+          </a:p>
+          <a:p>
+            <a:r>
+              <a:rPr lang="zh-CN" altLang="en-US" dirty="0" smtClean="0"/>
+              <a:t>（</a:t>
+            </a:r>
+            <a:r>
+              <a:rPr lang="en-US" altLang="zh-CN" dirty="0" smtClean="0"/>
+              <a:t>3</a:t>
+            </a:r>
+            <a:r>
+              <a:rPr lang="zh-CN" altLang="en-US" dirty="0" smtClean="0"/>
+              <a:t>）中文里存在广泛的简化表达现象，如“北医三院”、“国科大”                                                                                                                                                                                                                                                                                                                                                                                                                                                                                                                                                                                                                                                                                                                                                                                                                                                                                                                                                                                                                                                                                                                                                                                                                                                                                                                                                                                                                                                                                                                                                                                                                                                                                                                                                                                                                                                                                                                                                                                                                                                                                                                                                                                                                                                                                                                                                                                                                                                                                                                                                                                                                                                                                                                                                                                                                                                                                                                                                                                                                                                                                                                                                                                                                                                                                                                                                                                         </a:t>
             </a:r>
             <a:endParaRPr lang="zh-CN" altLang="en-US" dirty="0"/>
-          </a:p>
-        </p:txBody>
-      </p:sp>
-      <p:sp>
-        <p:nvSpPr>
-          <p:cNvPr id="7" name="内容占位符 6"/>
-          <p:cNvSpPr>
-            <a:spLocks noGrp="1"/>
-          </p:cNvSpPr>
-          <p:nvPr>
-            <p:ph idx="1"/>
-          </p:nvPr>
-        </p:nvSpPr>
-        <p:spPr/>
-        <p:txBody>
-          <a:bodyPr/>
-          <a:lstStyle/>
-          <a:p>
-            <a:endParaRPr lang="zh-CN" altLang="en-US"/>
           </a:p>
         </p:txBody>
       </p:sp>
     </p:spTree>
     <p:extLst>
       <p:ext uri="{BB962C8B-B14F-4D97-AF65-F5344CB8AC3E}">
-        <p14:creationId xmlns:p14="http://schemas.microsoft.com/office/powerpoint/2010/main" val="134376964"/>
+        <p14:creationId xmlns:p14="http://schemas.microsoft.com/office/powerpoint/2010/main" val="2424131612"/>
       </p:ext>
     </p:extLst>
   </p:cSld>
@@ -4538,6 +4782,446 @@
       </p:grpSpPr>
       <p:sp>
         <p:nvSpPr>
+          <p:cNvPr id="6" name="标题 1"/>
+          <p:cNvSpPr>
+            <a:spLocks noGrp="1"/>
+          </p:cNvSpPr>
+          <p:nvPr>
+            <p:ph type="title"/>
+          </p:nvPr>
+        </p:nvSpPr>
+        <p:spPr>
+          <a:xfrm>
+            <a:off x="838200" y="365125"/>
+            <a:ext cx="10515600" cy="1325563"/>
+          </a:xfrm>
+        </p:spPr>
+        <p:txBody>
+          <a:bodyPr/>
+          <a:lstStyle/>
+          <a:p>
+            <a:pPr algn="ctr"/>
+            <a:r>
+              <a:rPr lang="zh-CN" altLang="en-US" dirty="0" smtClean="0"/>
+              <a:t>研究现状</a:t>
+            </a:r>
+            <a:endParaRPr lang="zh-CN" altLang="en-US" dirty="0"/>
+          </a:p>
+        </p:txBody>
+      </p:sp>
+      <p:sp>
+        <p:nvSpPr>
+          <p:cNvPr id="7" name="内容占位符 6"/>
+          <p:cNvSpPr>
+            <a:spLocks noGrp="1"/>
+          </p:cNvSpPr>
+          <p:nvPr>
+            <p:ph idx="1"/>
+          </p:nvPr>
+        </p:nvSpPr>
+        <p:spPr/>
+        <p:txBody>
+          <a:bodyPr/>
+          <a:lstStyle/>
+          <a:p>
+            <a:pPr marL="342900" indent="-342900">
+              <a:spcBef>
+                <a:spcPct val="20000"/>
+              </a:spcBef>
+            </a:pPr>
+            <a:r>
+              <a:rPr lang="zh-CN" altLang="en-US" sz="3200" b="1" dirty="0"/>
+              <a:t>机构名识别研究</a:t>
+            </a:r>
+            <a:r>
+              <a:rPr lang="zh-CN" altLang="en-US" sz="3200" b="1" dirty="0" smtClean="0"/>
+              <a:t>现状</a:t>
+            </a:r>
+            <a:endParaRPr lang="en-US" altLang="zh-CN" sz="3200" b="1" dirty="0" smtClean="0"/>
+          </a:p>
+          <a:p>
+            <a:pPr marL="0" indent="0">
+              <a:buNone/>
+            </a:pPr>
+            <a:r>
+              <a:rPr lang="en-US" altLang="zh-CN" dirty="0" smtClean="0"/>
+              <a:t>1</a:t>
+            </a:r>
+            <a:r>
+              <a:rPr lang="zh-CN" altLang="en-US" dirty="0" smtClean="0"/>
+              <a:t>、基于统计的方法：</a:t>
+            </a:r>
+            <a:r>
+              <a:rPr lang="zh-CN" altLang="en-US" dirty="0"/>
+              <a:t>根据一定的语言学知识，运用手工构建上下文推导的规则。这些规则根据一定的数据集，由制定者决定该从什么条件入手，经过什么过程，最终识别出相应的机构名。由于规则都是指定人定制的，所以规则具有一定的主观性，同时由于是对应特定的数据集，所以规则也有一定的局限性。</a:t>
+            </a:r>
+            <a:endParaRPr lang="en-US" altLang="zh-CN" dirty="0"/>
+          </a:p>
+          <a:p>
+            <a:endParaRPr lang="zh-CN" altLang="en-US" dirty="0"/>
+          </a:p>
+        </p:txBody>
+      </p:sp>
+    </p:spTree>
+    <p:extLst>
+      <p:ext uri="{BB962C8B-B14F-4D97-AF65-F5344CB8AC3E}">
+        <p14:creationId xmlns:p14="http://schemas.microsoft.com/office/powerpoint/2010/main" val="4041078245"/>
+      </p:ext>
+    </p:extLst>
+  </p:cSld>
+  <p:clrMapOvr>
+    <a:masterClrMapping/>
+  </p:clrMapOvr>
+  <p:timing>
+    <p:tnLst>
+      <p:par>
+        <p:cTn id="1" dur="indefinite" restart="never" nodeType="tmRoot"/>
+      </p:par>
+    </p:tnLst>
+  </p:timing>
+</p:sld>
+</file>
+
+<file path=ppt/slides/slide5.xml><?xml version="1.0" encoding="utf-8"?>
+<p:sld xmlns:a="http://schemas.openxmlformats.org/drawingml/2006/main" xmlns:r="http://schemas.openxmlformats.org/officeDocument/2006/relationships" xmlns:p="http://schemas.openxmlformats.org/presentationml/2006/main">
+  <p:cSld>
+    <p:spTree>
+      <p:nvGrpSpPr>
+        <p:cNvPr id="1" name=""/>
+        <p:cNvGrpSpPr/>
+        <p:nvPr/>
+      </p:nvGrpSpPr>
+      <p:grpSpPr>
+        <a:xfrm>
+          <a:off x="0" y="0"/>
+          <a:ext cx="0" cy="0"/>
+          <a:chOff x="0" y="0"/>
+          <a:chExt cx="0" cy="0"/>
+        </a:xfrm>
+      </p:grpSpPr>
+      <p:sp>
+        <p:nvSpPr>
+          <p:cNvPr id="6" name="标题 1"/>
+          <p:cNvSpPr>
+            <a:spLocks noGrp="1"/>
+          </p:cNvSpPr>
+          <p:nvPr>
+            <p:ph type="title"/>
+          </p:nvPr>
+        </p:nvSpPr>
+        <p:spPr>
+          <a:xfrm>
+            <a:off x="838200" y="365125"/>
+            <a:ext cx="10515600" cy="1325563"/>
+          </a:xfrm>
+        </p:spPr>
+        <p:txBody>
+          <a:bodyPr/>
+          <a:lstStyle/>
+          <a:p>
+            <a:pPr algn="ctr"/>
+            <a:r>
+              <a:rPr lang="zh-CN" altLang="en-US" dirty="0" smtClean="0"/>
+              <a:t>研究现状</a:t>
+            </a:r>
+            <a:endParaRPr lang="zh-CN" altLang="en-US" dirty="0"/>
+          </a:p>
+        </p:txBody>
+      </p:sp>
+      <p:sp>
+        <p:nvSpPr>
+          <p:cNvPr id="7" name="内容占位符 6"/>
+          <p:cNvSpPr>
+            <a:spLocks noGrp="1"/>
+          </p:cNvSpPr>
+          <p:nvPr>
+            <p:ph idx="1"/>
+          </p:nvPr>
+        </p:nvSpPr>
+        <p:spPr/>
+        <p:txBody>
+          <a:bodyPr>
+            <a:normAutofit/>
+          </a:bodyPr>
+          <a:lstStyle/>
+          <a:p>
+            <a:pPr marL="342900" indent="-342900">
+              <a:spcBef>
+                <a:spcPct val="20000"/>
+              </a:spcBef>
+            </a:pPr>
+            <a:r>
+              <a:rPr lang="zh-CN" altLang="en-US" sz="3200" b="1" dirty="0"/>
+              <a:t>机构名识别研究</a:t>
+            </a:r>
+            <a:r>
+              <a:rPr lang="zh-CN" altLang="en-US" sz="3200" b="1" dirty="0" smtClean="0"/>
+              <a:t>现状</a:t>
+            </a:r>
+            <a:endParaRPr lang="en-US" altLang="zh-CN" sz="3200" b="1" dirty="0" smtClean="0"/>
+          </a:p>
+          <a:p>
+            <a:pPr marL="0" indent="0">
+              <a:buNone/>
+            </a:pPr>
+            <a:r>
+              <a:rPr lang="en-US" altLang="zh-CN" dirty="0" smtClean="0"/>
+              <a:t>2</a:t>
+            </a:r>
+            <a:r>
+              <a:rPr lang="zh-CN" altLang="en-US" dirty="0" smtClean="0"/>
+              <a:t>、基于统计的方法：与规则相比，统计学习的方法依赖于大量的语料库，通过对标注的语料库进行学习，从标注的词性、词语中学习，自动获得相应的训练模型。目前常用的统计学习方法有：</a:t>
+            </a:r>
+            <a:endParaRPr lang="en-US" altLang="zh-CN" dirty="0" smtClean="0"/>
+          </a:p>
+          <a:p>
+            <a:r>
+              <a:rPr lang="zh-CN" altLang="en-US" dirty="0" smtClean="0"/>
+              <a:t>隐马尔可夫模型</a:t>
+            </a:r>
+            <a:r>
+              <a:rPr lang="en-US" altLang="zh-CN" dirty="0" smtClean="0"/>
+              <a:t>(HMM)</a:t>
+            </a:r>
+          </a:p>
+          <a:p>
+            <a:r>
+              <a:rPr lang="zh-CN" altLang="en-US" dirty="0" smtClean="0"/>
+              <a:t>最大熵模型</a:t>
+            </a:r>
+            <a:r>
+              <a:rPr lang="en-US" altLang="zh-CN" dirty="0" smtClean="0"/>
+              <a:t>(MEMM)</a:t>
+            </a:r>
+          </a:p>
+          <a:p>
+            <a:r>
+              <a:rPr lang="zh-CN" altLang="en-US" dirty="0" smtClean="0"/>
+              <a:t>条件随机场</a:t>
+            </a:r>
+            <a:r>
+              <a:rPr lang="en-US" altLang="zh-CN" dirty="0" smtClean="0"/>
+              <a:t>(CRF)</a:t>
+            </a:r>
+          </a:p>
+          <a:p>
+            <a:r>
+              <a:rPr lang="zh-CN" altLang="en-US" dirty="0"/>
+              <a:t>支持向量</a:t>
+            </a:r>
+            <a:r>
+              <a:rPr lang="zh-CN" altLang="en-US" dirty="0" smtClean="0"/>
+              <a:t>机</a:t>
+            </a:r>
+            <a:r>
+              <a:rPr lang="en-US" altLang="zh-CN" dirty="0" smtClean="0"/>
+              <a:t>(SVM)</a:t>
+            </a:r>
+          </a:p>
+        </p:txBody>
+      </p:sp>
+    </p:spTree>
+    <p:extLst>
+      <p:ext uri="{BB962C8B-B14F-4D97-AF65-F5344CB8AC3E}">
+        <p14:creationId xmlns:p14="http://schemas.microsoft.com/office/powerpoint/2010/main" val="1615787471"/>
+      </p:ext>
+    </p:extLst>
+  </p:cSld>
+  <p:clrMapOvr>
+    <a:masterClrMapping/>
+  </p:clrMapOvr>
+  <p:timing>
+    <p:tnLst>
+      <p:par>
+        <p:cTn id="1" dur="indefinite" restart="never" nodeType="tmRoot"/>
+      </p:par>
+    </p:tnLst>
+  </p:timing>
+</p:sld>
+</file>
+
+<file path=ppt/slides/slide6.xml><?xml version="1.0" encoding="utf-8"?>
+<p:sld xmlns:a="http://schemas.openxmlformats.org/drawingml/2006/main" xmlns:r="http://schemas.openxmlformats.org/officeDocument/2006/relationships" xmlns:p="http://schemas.openxmlformats.org/presentationml/2006/main">
+  <p:cSld>
+    <p:spTree>
+      <p:nvGrpSpPr>
+        <p:cNvPr id="1" name=""/>
+        <p:cNvGrpSpPr/>
+        <p:nvPr/>
+      </p:nvGrpSpPr>
+      <p:grpSpPr>
+        <a:xfrm>
+          <a:off x="0" y="0"/>
+          <a:ext cx="0" cy="0"/>
+          <a:chOff x="0" y="0"/>
+          <a:chExt cx="0" cy="0"/>
+        </a:xfrm>
+      </p:grpSpPr>
+      <p:sp>
+        <p:nvSpPr>
+          <p:cNvPr id="6" name="标题 1"/>
+          <p:cNvSpPr>
+            <a:spLocks noGrp="1"/>
+          </p:cNvSpPr>
+          <p:nvPr>
+            <p:ph type="title"/>
+          </p:nvPr>
+        </p:nvSpPr>
+        <p:spPr>
+          <a:xfrm>
+            <a:off x="838200" y="365125"/>
+            <a:ext cx="10515600" cy="1325563"/>
+          </a:xfrm>
+        </p:spPr>
+        <p:txBody>
+          <a:bodyPr/>
+          <a:lstStyle/>
+          <a:p>
+            <a:pPr algn="ctr"/>
+            <a:r>
+              <a:rPr lang="zh-CN" altLang="en-US" dirty="0" smtClean="0"/>
+              <a:t>研究现状</a:t>
+            </a:r>
+            <a:endParaRPr lang="zh-CN" altLang="en-US" dirty="0"/>
+          </a:p>
+        </p:txBody>
+      </p:sp>
+      <p:sp>
+        <p:nvSpPr>
+          <p:cNvPr id="7" name="内容占位符 6"/>
+          <p:cNvSpPr>
+            <a:spLocks noGrp="1"/>
+          </p:cNvSpPr>
+          <p:nvPr>
+            <p:ph idx="1"/>
+          </p:nvPr>
+        </p:nvSpPr>
+        <p:spPr/>
+        <p:txBody>
+          <a:bodyPr>
+            <a:normAutofit/>
+          </a:bodyPr>
+          <a:lstStyle/>
+          <a:p>
+            <a:pPr marL="342900" indent="-342900">
+              <a:spcBef>
+                <a:spcPct val="20000"/>
+              </a:spcBef>
+            </a:pPr>
+            <a:r>
+              <a:rPr lang="zh-CN" altLang="en-US" sz="3200" b="1" dirty="0"/>
+              <a:t>机构名识别研究</a:t>
+            </a:r>
+            <a:r>
+              <a:rPr lang="zh-CN" altLang="en-US" sz="3200" b="1" dirty="0" smtClean="0"/>
+              <a:t>现状</a:t>
+            </a:r>
+            <a:endParaRPr lang="en-US" altLang="zh-CN" sz="3200" b="1" dirty="0" smtClean="0"/>
+          </a:p>
+          <a:p>
+            <a:pPr marL="0" indent="0">
+              <a:buNone/>
+            </a:pPr>
+            <a:r>
+              <a:rPr lang="en-US" altLang="zh-CN" dirty="0"/>
+              <a:t>3</a:t>
+            </a:r>
+            <a:r>
+              <a:rPr lang="zh-CN" altLang="en-US" dirty="0" smtClean="0"/>
+              <a:t>、基于深度学习的方法：相比于统计机器学习方法或基于规则的方法，基于神经网络的深度学习方法具有泛化性更强，更少依赖人工特征的优点。因此，许多基于神经网络的通用领域命名实体识别模型被提出，如：</a:t>
+            </a:r>
+            <a:endParaRPr lang="en-US" altLang="zh-CN" dirty="0" smtClean="0"/>
+          </a:p>
+          <a:p>
+            <a:r>
+              <a:rPr lang="zh-CN" altLang="en-US" dirty="0" smtClean="0"/>
+              <a:t>循环神经网络</a:t>
+            </a:r>
+            <a:r>
+              <a:rPr lang="en-US" altLang="zh-CN" dirty="0" smtClean="0"/>
+              <a:t>(RNN)</a:t>
+            </a:r>
+            <a:endParaRPr lang="en-US" altLang="zh-CN" dirty="0"/>
+          </a:p>
+          <a:p>
+            <a:r>
+              <a:rPr lang="zh-CN" altLang="en-US" dirty="0" smtClean="0"/>
+              <a:t>长短期记忆网络</a:t>
+            </a:r>
+            <a:r>
+              <a:rPr lang="en-US" altLang="zh-CN" dirty="0" smtClean="0"/>
+              <a:t>(LSTM)</a:t>
+            </a:r>
+          </a:p>
+          <a:p>
+            <a:r>
+              <a:rPr lang="zh-CN" altLang="en-US" dirty="0" smtClean="0"/>
+              <a:t>双向长短期记忆网络</a:t>
+            </a:r>
+            <a:r>
+              <a:rPr lang="en-US" altLang="zh-CN" dirty="0" smtClean="0"/>
+              <a:t>(</a:t>
+            </a:r>
+            <a:r>
+              <a:rPr lang="en-US" altLang="zh-CN" dirty="0" err="1" smtClean="0"/>
+              <a:t>BiLSTM</a:t>
+            </a:r>
+            <a:r>
+              <a:rPr lang="en-US" altLang="zh-CN" dirty="0" smtClean="0"/>
+              <a:t>)</a:t>
+            </a:r>
+          </a:p>
+          <a:p>
+            <a:r>
+              <a:rPr lang="en-US" altLang="zh-CN" dirty="0" err="1" smtClean="0"/>
+              <a:t>BiLSTM</a:t>
+            </a:r>
+            <a:r>
+              <a:rPr lang="en-US" altLang="zh-CN" dirty="0" smtClean="0"/>
+              <a:t> + CRF</a:t>
+            </a:r>
+          </a:p>
+        </p:txBody>
+      </p:sp>
+    </p:spTree>
+    <p:extLst>
+      <p:ext uri="{BB962C8B-B14F-4D97-AF65-F5344CB8AC3E}">
+        <p14:creationId xmlns:p14="http://schemas.microsoft.com/office/powerpoint/2010/main" val="1975420742"/>
+      </p:ext>
+    </p:extLst>
+  </p:cSld>
+  <p:clrMapOvr>
+    <a:masterClrMapping/>
+  </p:clrMapOvr>
+  <p:timing>
+    <p:tnLst>
+      <p:par>
+        <p:cTn id="1" dur="indefinite" restart="never" nodeType="tmRoot"/>
+      </p:par>
+    </p:tnLst>
+  </p:timing>
+</p:sld>
+</file>
+
+<file path=ppt/slides/slide7.xml><?xml version="1.0" encoding="utf-8"?>
+<p:sld xmlns:a="http://schemas.openxmlformats.org/drawingml/2006/main" xmlns:r="http://schemas.openxmlformats.org/officeDocument/2006/relationships" xmlns:p="http://schemas.openxmlformats.org/presentationml/2006/main">
+  <p:cSld>
+    <p:spTree>
+      <p:nvGrpSpPr>
+        <p:cNvPr id="1" name=""/>
+        <p:cNvGrpSpPr/>
+        <p:nvPr/>
+      </p:nvGrpSpPr>
+      <p:grpSpPr>
+        <a:xfrm>
+          <a:off x="0" y="0"/>
+          <a:ext cx="0" cy="0"/>
+          <a:chOff x="0" y="0"/>
+          <a:chExt cx="0" cy="0"/>
+        </a:xfrm>
+      </p:grpSpPr>
+      <p:sp>
+        <p:nvSpPr>
           <p:cNvPr id="2" name="标题 1"/>
           <p:cNvSpPr>
             <a:spLocks noGrp="1"/>
@@ -4592,7 +5276,7 @@
 </p:sld>
 </file>
 
-<file path=ppt/slides/slide5.xml><?xml version="1.0" encoding="utf-8"?>
+<file path=ppt/slides/slide8.xml><?xml version="1.0" encoding="utf-8"?>
 <p:sld xmlns:a="http://schemas.openxmlformats.org/drawingml/2006/main" xmlns:r="http://schemas.openxmlformats.org/officeDocument/2006/relationships" xmlns:p="http://schemas.openxmlformats.org/presentationml/2006/main">
   <p:cSld>
     <p:spTree>
@@ -5224,7 +5908,7 @@
 </p:sld>
 </file>
 
-<file path=ppt/slides/slide6.xml><?xml version="1.0" encoding="utf-8"?>
+<file path=ppt/slides/slide9.xml><?xml version="1.0" encoding="utf-8"?>
 <p:sld xmlns:a="http://schemas.openxmlformats.org/drawingml/2006/main" xmlns:r="http://schemas.openxmlformats.org/officeDocument/2006/relationships" xmlns:p="http://schemas.openxmlformats.org/presentationml/2006/main">
   <p:cSld>
     <p:spTree>
@@ -5253,28 +5937,139 @@
         </p:nvSpPr>
         <p:spPr/>
         <p:txBody>
-          <a:bodyPr>
-            <a:normAutofit/>
+          <a:bodyPr/>
+          <a:lstStyle/>
+          <a:p>
+            <a:pPr algn="ctr"/>
+            <a:r>
+              <a:rPr lang="zh-CN" altLang="en-US" dirty="0" smtClean="0"/>
+              <a:t>研究内容</a:t>
+            </a:r>
+            <a:endParaRPr lang="zh-CN" altLang="en-US" dirty="0"/>
+          </a:p>
+        </p:txBody>
+      </p:sp>
+      <p:sp>
+        <p:nvSpPr>
+          <p:cNvPr id="5" name="内容占位符 4"/>
+          <p:cNvSpPr>
+            <a:spLocks noGrp="1"/>
+          </p:cNvSpPr>
+          <p:nvPr>
+            <p:ph idx="1"/>
+          </p:nvPr>
+        </p:nvSpPr>
+        <p:spPr>
+          <a:xfrm>
+            <a:off x="838200" y="1690688"/>
+            <a:ext cx="10515600" cy="4351338"/>
+          </a:xfrm>
+        </p:spPr>
+        <p:txBody>
+          <a:bodyPr/>
+          <a:lstStyle/>
+          <a:p>
+            <a:r>
+              <a:rPr lang="en-US" altLang="zh-CN" dirty="0" smtClean="0"/>
+              <a:t>1</a:t>
+            </a:r>
+            <a:r>
+              <a:rPr lang="zh-CN" altLang="en-US" dirty="0" smtClean="0"/>
+              <a:t>、基于</a:t>
+            </a:r>
+            <a:r>
+              <a:rPr lang="en-US" altLang="zh-CN" dirty="0" err="1" smtClean="0"/>
+              <a:t>BiLSTM+CRF</a:t>
+            </a:r>
+            <a:r>
+              <a:rPr lang="zh-CN" altLang="en-US" dirty="0" smtClean="0"/>
+              <a:t>的机构名识别</a:t>
+            </a:r>
+            <a:endParaRPr lang="zh-CN" altLang="en-US" dirty="0"/>
+          </a:p>
+        </p:txBody>
+      </p:sp>
+      <p:pic>
+        <p:nvPicPr>
+          <p:cNvPr id="6" name="图片 5" descr="C:\Users\Jack\Desktop\CRF+BiLSTM.png"/>
+          <p:cNvPicPr/>
+          <p:nvPr/>
+        </p:nvPicPr>
+        <p:blipFill>
+          <a:blip r:embed="rId3" cstate="print">
+            <a:extLst>
+              <a:ext uri="{28A0092B-C50C-407E-A947-70E740481C1C}">
+                <a14:useLocalDpi xmlns:a14="http://schemas.microsoft.com/office/drawing/2010/main" val="0"/>
+              </a:ext>
+            </a:extLst>
+          </a:blip>
+          <a:srcRect/>
+          <a:stretch>
+            <a:fillRect/>
+          </a:stretch>
+        </p:blipFill>
+        <p:spPr bwMode="auto">
+          <a:xfrm>
+            <a:off x="1772151" y="2387926"/>
+            <a:ext cx="4490903" cy="4275255"/>
+          </a:xfrm>
+          <a:prstGeom prst="rect">
+            <a:avLst/>
+          </a:prstGeom>
+          <a:noFill/>
+          <a:ln>
+            <a:noFill/>
+          </a:ln>
+        </p:spPr>
+      </p:pic>
+      <p:sp>
+        <p:nvSpPr>
+          <p:cNvPr id="7" name="文本框 6"/>
+          <p:cNvSpPr txBox="1"/>
+          <p:nvPr/>
+        </p:nvSpPr>
+        <p:spPr>
+          <a:xfrm>
+            <a:off x="6787662" y="2259623"/>
+            <a:ext cx="4941276" cy="923330"/>
+          </a:xfrm>
+          <a:prstGeom prst="rect">
+            <a:avLst/>
+          </a:prstGeom>
+          <a:noFill/>
+        </p:spPr>
+        <p:txBody>
+          <a:bodyPr wrap="square" rtlCol="0">
+            <a:spAutoFit/>
           </a:bodyPr>
           <a:lstStyle/>
           <a:p>
-            <a:pPr algn="ctr"/>
-            <a:r>
-              <a:rPr lang="zh-CN" altLang="en-US" sz="4800" dirty="0" smtClean="0">
-                <a:latin typeface="Calibri Light" panose="020F0302020204030204" pitchFamily="34" charset="0"/>
-              </a:rPr>
-              <a:t>系统结构</a:t>
-            </a:r>
-            <a:endParaRPr lang="en-US" altLang="zh-CN" sz="4800" dirty="0">
-              <a:latin typeface="Calibri Light" panose="020F0302020204030204" pitchFamily="34" charset="0"/>
-            </a:endParaRPr>
+            <a:r>
+              <a:rPr lang="zh-CN" altLang="en-US" dirty="0" smtClean="0"/>
+              <a:t>采用</a:t>
+            </a:r>
+            <a:r>
+              <a:rPr lang="en-US" altLang="zh-CN" dirty="0" smtClean="0"/>
+              <a:t>BIO</a:t>
+            </a:r>
+            <a:r>
+              <a:rPr lang="zh-CN" altLang="en-US" dirty="0" smtClean="0"/>
+              <a:t>标注集</a:t>
+            </a:r>
+            <a:endParaRPr lang="en-US" altLang="zh-CN" dirty="0" smtClean="0"/>
+          </a:p>
+          <a:p>
+            <a:endParaRPr lang="en-US" altLang="zh-CN" dirty="0"/>
+          </a:p>
+          <a:p>
+            <a:endParaRPr lang="zh-CN" altLang="en-US" dirty="0"/>
           </a:p>
         </p:txBody>
       </p:sp>
     </p:spTree>
     <p:extLst>
       <p:ext uri="{BB962C8B-B14F-4D97-AF65-F5344CB8AC3E}">
-        <p14:creationId xmlns:p14="http://schemas.microsoft.com/office/powerpoint/2010/main" val="907506746"/>
+        <p14:creationId xmlns:p14="http://schemas.microsoft.com/office/powerpoint/2010/main" val="3482761359"/>
       </p:ext>
     </p:extLst>
   </p:cSld>
@@ -5288,93 +6083,6 @@
       </p:par>
     </p:tnLst>
   </p:timing>
-</p:sld>
-</file>
-
-<file path=ppt/slides/slide7.xml><?xml version="1.0" encoding="utf-8"?>
-<p:sld xmlns:a="http://schemas.openxmlformats.org/drawingml/2006/main" xmlns:r="http://schemas.openxmlformats.org/officeDocument/2006/relationships" xmlns:p="http://schemas.openxmlformats.org/presentationml/2006/main">
-  <p:cSld>
-    <p:spTree>
-      <p:nvGrpSpPr>
-        <p:cNvPr id="1" name=""/>
-        <p:cNvGrpSpPr/>
-        <p:nvPr/>
-      </p:nvGrpSpPr>
-      <p:grpSpPr>
-        <a:xfrm>
-          <a:off x="0" y="0"/>
-          <a:ext cx="0" cy="0"/>
-          <a:chOff x="0" y="0"/>
-          <a:chExt cx="0" cy="0"/>
-        </a:xfrm>
-      </p:grpSpPr>
-      <p:sp>
-        <p:nvSpPr>
-          <p:cNvPr id="2" name="标题 1"/>
-          <p:cNvSpPr>
-            <a:spLocks noGrp="1"/>
-          </p:cNvSpPr>
-          <p:nvPr>
-            <p:ph type="title"/>
-          </p:nvPr>
-        </p:nvSpPr>
-        <p:spPr/>
-        <p:txBody>
-          <a:bodyPr/>
-          <a:lstStyle/>
-          <a:p>
-            <a:endParaRPr lang="zh-CN" altLang="en-US"/>
-          </a:p>
-        </p:txBody>
-      </p:sp>
-      <p:sp>
-        <p:nvSpPr>
-          <p:cNvPr id="4" name="标题 1"/>
-          <p:cNvSpPr>
-            <a:spLocks noGrp="1"/>
-          </p:cNvSpPr>
-          <p:nvPr>
-            <p:ph idx="1"/>
-          </p:nvPr>
-        </p:nvSpPr>
-        <p:spPr/>
-        <p:txBody>
-          <a:bodyPr>
-            <a:normAutofit/>
-          </a:bodyPr>
-          <a:lstStyle/>
-          <a:p>
-            <a:pPr algn="ctr"/>
-            <a:endParaRPr lang="en-US" altLang="zh-CN" sz="8000" dirty="0" smtClean="0">
-              <a:latin typeface="Calibri Light" panose="020F0302020204030204" pitchFamily="34" charset="0"/>
-            </a:endParaRPr>
-          </a:p>
-          <a:p>
-            <a:pPr marL="0" indent="0" algn="ctr">
-              <a:buNone/>
-            </a:pPr>
-            <a:r>
-              <a:rPr lang="en-US" altLang="zh-CN" sz="8000" dirty="0" smtClean="0">
-                <a:latin typeface="Calibri Light" panose="020F0302020204030204" pitchFamily="34" charset="0"/>
-              </a:rPr>
-              <a:t>Q  &amp;  A</a:t>
-            </a:r>
-            <a:endParaRPr lang="zh-CN" altLang="en-US" sz="8000" dirty="0">
-              <a:latin typeface="Calibri Light" panose="020F0302020204030204" pitchFamily="34" charset="0"/>
-            </a:endParaRPr>
-          </a:p>
-        </p:txBody>
-      </p:sp>
-    </p:spTree>
-    <p:extLst>
-      <p:ext uri="{BB962C8B-B14F-4D97-AF65-F5344CB8AC3E}">
-        <p14:creationId xmlns:p14="http://schemas.microsoft.com/office/powerpoint/2010/main" val="3834767894"/>
-      </p:ext>
-    </p:extLst>
-  </p:cSld>
-  <p:clrMapOvr>
-    <a:masterClrMapping/>
-  </p:clrMapOvr>
 </p:sld>
 </file>
 

--- a/基于语义的模糊同名判定方法.pptx
+++ b/基于语义的模糊同名判定方法.pptx
@@ -5,7 +5,7 @@
     <p:sldMasterId id="2147483648" r:id="rId1"/>
   </p:sldMasterIdLst>
   <p:notesMasterIdLst>
-    <p:notesMasterId r:id="rId13"/>
+    <p:notesMasterId r:id="rId15"/>
   </p:notesMasterIdLst>
   <p:sldIdLst>
     <p:sldId id="258" r:id="rId2"/>
@@ -14,11 +14,13 @@
     <p:sldId id="318" r:id="rId5"/>
     <p:sldId id="319" r:id="rId6"/>
     <p:sldId id="320" r:id="rId7"/>
-    <p:sldId id="306" r:id="rId8"/>
-    <p:sldId id="290" r:id="rId9"/>
-    <p:sldId id="321" r:id="rId10"/>
-    <p:sldId id="323" r:id="rId11"/>
-    <p:sldId id="316" r:id="rId12"/>
+    <p:sldId id="324" r:id="rId8"/>
+    <p:sldId id="321" r:id="rId9"/>
+    <p:sldId id="323" r:id="rId10"/>
+    <p:sldId id="326" r:id="rId11"/>
+    <p:sldId id="327" r:id="rId12"/>
+    <p:sldId id="325" r:id="rId13"/>
+    <p:sldId id="316" r:id="rId14"/>
   </p:sldIdLst>
   <p:sldSz cx="12192000" cy="6858000"/>
   <p:notesSz cx="6858000" cy="9144000"/>
@@ -128,10 +130,12 @@
             <p14:sldId id="318"/>
             <p14:sldId id="319"/>
             <p14:sldId id="320"/>
-            <p14:sldId id="306"/>
-            <p14:sldId id="290"/>
+            <p14:sldId id="324"/>
             <p14:sldId id="321"/>
             <p14:sldId id="323"/>
+            <p14:sldId id="326"/>
+            <p14:sldId id="327"/>
+            <p14:sldId id="325"/>
             <p14:sldId id="316"/>
           </p14:sldIdLst>
         </p14:section>
@@ -578,6 +582,90 @@
 </p:notes>
 </file>
 
+<file path=ppt/notesSlides/notesSlide10.xml><?xml version="1.0" encoding="utf-8"?>
+<p:notes xmlns:a="http://schemas.openxmlformats.org/drawingml/2006/main" xmlns:r="http://schemas.openxmlformats.org/officeDocument/2006/relationships" xmlns:p="http://schemas.openxmlformats.org/presentationml/2006/main">
+  <p:cSld>
+    <p:spTree>
+      <p:nvGrpSpPr>
+        <p:cNvPr id="1" name=""/>
+        <p:cNvGrpSpPr/>
+        <p:nvPr/>
+      </p:nvGrpSpPr>
+      <p:grpSpPr>
+        <a:xfrm>
+          <a:off x="0" y="0"/>
+          <a:ext cx="0" cy="0"/>
+          <a:chOff x="0" y="0"/>
+          <a:chExt cx="0" cy="0"/>
+        </a:xfrm>
+      </p:grpSpPr>
+      <p:sp>
+        <p:nvSpPr>
+          <p:cNvPr id="2" name="幻灯片图像占位符 1"/>
+          <p:cNvSpPr>
+            <a:spLocks noGrp="1" noRot="1" noChangeAspect="1"/>
+          </p:cNvSpPr>
+          <p:nvPr>
+            <p:ph type="sldImg"/>
+          </p:nvPr>
+        </p:nvSpPr>
+        <p:spPr/>
+      </p:sp>
+      <p:sp>
+        <p:nvSpPr>
+          <p:cNvPr id="3" name="备注占位符 2"/>
+          <p:cNvSpPr>
+            <a:spLocks noGrp="1"/>
+          </p:cNvSpPr>
+          <p:nvPr>
+            <p:ph type="body" idx="1"/>
+          </p:nvPr>
+        </p:nvSpPr>
+        <p:spPr/>
+        <p:txBody>
+          <a:bodyPr/>
+          <a:lstStyle/>
+          <a:p>
+            <a:endParaRPr lang="zh-CN" altLang="en-US" dirty="0"/>
+          </a:p>
+        </p:txBody>
+      </p:sp>
+      <p:sp>
+        <p:nvSpPr>
+          <p:cNvPr id="4" name="灯片编号占位符 3"/>
+          <p:cNvSpPr>
+            <a:spLocks noGrp="1"/>
+          </p:cNvSpPr>
+          <p:nvPr>
+            <p:ph type="sldNum" sz="quarter" idx="10"/>
+          </p:nvPr>
+        </p:nvSpPr>
+        <p:spPr/>
+        <p:txBody>
+          <a:bodyPr/>
+          <a:lstStyle/>
+          <a:p>
+            <a:fld id="{446F7A48-CBAD-4BDE-987B-C95199978927}" type="slidenum">
+              <a:rPr lang="zh-CN" altLang="en-US" smtClean="0"/>
+              <a:t>12</a:t>
+            </a:fld>
+            <a:endParaRPr lang="zh-CN" altLang="en-US"/>
+          </a:p>
+        </p:txBody>
+      </p:sp>
+    </p:spTree>
+    <p:extLst>
+      <p:ext uri="{BB962C8B-B14F-4D97-AF65-F5344CB8AC3E}">
+        <p14:creationId xmlns:p14="http://schemas.microsoft.com/office/powerpoint/2010/main" val="2949142385"/>
+      </p:ext>
+    </p:extLst>
+  </p:cSld>
+  <p:clrMapOvr>
+    <a:masterClrMapping/>
+  </p:clrMapOvr>
+</p:notes>
+</file>
+
 <file path=ppt/notesSlides/notesSlide2.xml><?xml version="1.0" encoding="utf-8"?>
 <p:notes xmlns:a="http://schemas.openxmlformats.org/drawingml/2006/main" xmlns:r="http://schemas.openxmlformats.org/officeDocument/2006/relationships" xmlns:p="http://schemas.openxmlformats.org/presentationml/2006/main">
   <p:cSld>
@@ -946,58 +1034,6 @@
           <a:bodyPr/>
           <a:lstStyle/>
           <a:p>
-            <a:r>
-              <a:rPr lang="zh-CN" altLang="en-US" dirty="0" smtClean="0"/>
-              <a:t>其中，</a:t>
-            </a:r>
-            <a:r>
-              <a:rPr lang="en-US" altLang="zh-CN" dirty="0" smtClean="0"/>
-              <a:t>3</a:t>
-            </a:r>
-            <a:r>
-              <a:rPr lang="zh-CN" altLang="en-US" dirty="0" smtClean="0"/>
-              <a:t>和</a:t>
-            </a:r>
-            <a:r>
-              <a:rPr lang="en-US" altLang="zh-CN" dirty="0" smtClean="0"/>
-              <a:t>4</a:t>
-            </a:r>
-            <a:r>
-              <a:rPr lang="zh-CN" altLang="en-US" dirty="0" smtClean="0"/>
-              <a:t>决定了状态序列，</a:t>
-            </a:r>
-            <a:r>
-              <a:rPr lang="en-US" altLang="zh-CN" dirty="0" smtClean="0"/>
-              <a:t>5</a:t>
-            </a:r>
-            <a:r>
-              <a:rPr lang="zh-CN" altLang="en-US" dirty="0" smtClean="0"/>
-              <a:t>决定了观测序列，因此</a:t>
-            </a:r>
-            <a:r>
-              <a:rPr lang="en-US" altLang="zh-CN" dirty="0" smtClean="0"/>
-              <a:t>3</a:t>
-            </a:r>
-            <a:r>
-              <a:rPr lang="zh-CN" altLang="en-US" dirty="0" smtClean="0"/>
-              <a:t>、</a:t>
-            </a:r>
-            <a:r>
-              <a:rPr lang="en-US" altLang="zh-CN" dirty="0" smtClean="0"/>
-              <a:t>4</a:t>
-            </a:r>
-            <a:r>
-              <a:rPr lang="zh-CN" altLang="en-US" dirty="0" smtClean="0"/>
-              <a:t>、</a:t>
-            </a:r>
-            <a:r>
-              <a:rPr lang="en-US" altLang="zh-CN" dirty="0" smtClean="0"/>
-              <a:t>5</a:t>
-            </a:r>
-            <a:r>
-              <a:rPr lang="zh-CN" altLang="en-US" dirty="0" smtClean="0"/>
-              <a:t>这三条被成为隐马尔可夫模型的三要素</a:t>
-            </a:r>
             <a:endParaRPr lang="zh-CN" altLang="en-US" dirty="0"/>
           </a:p>
         </p:txBody>
@@ -1028,7 +1064,7 @@
     </p:spTree>
     <p:extLst>
       <p:ext uri="{BB962C8B-B14F-4D97-AF65-F5344CB8AC3E}">
-        <p14:creationId xmlns:p14="http://schemas.microsoft.com/office/powerpoint/2010/main" val="1874620989"/>
+        <p14:creationId xmlns:p14="http://schemas.microsoft.com/office/powerpoint/2010/main" val="3558821609"/>
       </p:ext>
     </p:extLst>
   </p:cSld>
@@ -1083,15 +1119,60 @@
           <a:lstStyle/>
           <a:p>
             <a:r>
-              <a:rPr lang="zh-CN" altLang="en-US" dirty="0" smtClean="0"/>
-              <a:t>发射概率：某一个角色表现为一个词的概率</a:t>
-            </a:r>
-            <a:endParaRPr lang="en-US" altLang="zh-CN" dirty="0" smtClean="0"/>
-          </a:p>
-          <a:p>
-            <a:r>
-              <a:rPr lang="zh-CN" altLang="en-US" dirty="0" smtClean="0"/>
-              <a:t>转移概率：角色之间转移的概率</a:t>
+              <a:rPr lang="en-US" altLang="zh-CN" dirty="0" smtClean="0"/>
+              <a:t>B-PER</a:t>
+            </a:r>
+            <a:r>
+              <a:rPr lang="zh-CN" altLang="en-US" dirty="0" smtClean="0"/>
+              <a:t>、</a:t>
+            </a:r>
+            <a:r>
+              <a:rPr lang="en-US" altLang="zh-CN" dirty="0" smtClean="0"/>
+              <a:t>I-PER</a:t>
+            </a:r>
+            <a:r>
+              <a:rPr lang="zh-CN" altLang="en-US" dirty="0" smtClean="0"/>
+              <a:t>代表人名首字、人名非首字，</a:t>
+            </a:r>
+            <a:r>
+              <a:rPr lang="en-US" altLang="zh-CN" dirty="0" smtClean="0"/>
+              <a:t>B-LOC</a:t>
+            </a:r>
+            <a:r>
+              <a:rPr lang="zh-CN" altLang="en-US" dirty="0" smtClean="0"/>
+              <a:t>、</a:t>
+            </a:r>
+            <a:r>
+              <a:rPr lang="en-US" altLang="zh-CN" dirty="0" smtClean="0"/>
+              <a:t>I-LOC</a:t>
+            </a:r>
+            <a:r>
+              <a:rPr lang="zh-CN" altLang="en-US" dirty="0" smtClean="0"/>
+              <a:t>代表地名首字、地名非首字，</a:t>
+            </a:r>
+            <a:r>
+              <a:rPr lang="en-US" altLang="zh-CN" dirty="0" smtClean="0"/>
+              <a:t>B-ORG</a:t>
+            </a:r>
+            <a:r>
+              <a:rPr lang="zh-CN" altLang="en-US" dirty="0" smtClean="0"/>
+              <a:t>、</a:t>
+            </a:r>
+            <a:r>
+              <a:rPr lang="en-US" altLang="zh-CN" dirty="0" smtClean="0"/>
+              <a:t>I-ORG</a:t>
+            </a:r>
+            <a:r>
+              <a:rPr lang="zh-CN" altLang="en-US" dirty="0" smtClean="0"/>
+              <a:t>代表组织机构名首字、组织机构名非首字，</a:t>
+            </a:r>
+            <a:r>
+              <a:rPr lang="en-US" altLang="zh-CN" dirty="0" smtClean="0"/>
+              <a:t>O</a:t>
+            </a:r>
+            <a:r>
+              <a:rPr lang="zh-CN" altLang="en-US" dirty="0" smtClean="0"/>
+              <a:t>代表改字不属于命名实体的一部分。</a:t>
             </a:r>
             <a:endParaRPr lang="zh-CN" altLang="en-US" dirty="0"/>
           </a:p>
@@ -1123,7 +1204,7 @@
     </p:spTree>
     <p:extLst>
       <p:ext uri="{BB962C8B-B14F-4D97-AF65-F5344CB8AC3E}">
-        <p14:creationId xmlns:p14="http://schemas.microsoft.com/office/powerpoint/2010/main" val="4078429245"/>
+        <p14:creationId xmlns:p14="http://schemas.microsoft.com/office/powerpoint/2010/main" val="1745645483"/>
       </p:ext>
     </p:extLst>
   </p:cSld>
@@ -1178,61 +1259,130 @@
           <a:lstStyle/>
           <a:p>
             <a:r>
+              <a:rPr lang="zh-CN" altLang="en-US" dirty="0" smtClean="0"/>
+              <a:t>机构名简称的预测模块可以分成机构名称构成分析模块、基于规则的机构候选简称生成模块和基于</a:t>
+            </a:r>
+            <a:r>
               <a:rPr lang="en-US" altLang="zh-CN" dirty="0" smtClean="0"/>
-              <a:t>B-PER</a:t>
-            </a:r>
-            <a:r>
-              <a:rPr lang="zh-CN" altLang="en-US" dirty="0" smtClean="0"/>
-              <a:t>、</a:t>
+              <a:t>CRF</a:t>
+            </a:r>
+            <a:r>
+              <a:rPr lang="zh-CN" altLang="en-US" dirty="0" smtClean="0"/>
+              <a:t>的候选简称生成模块</a:t>
+            </a:r>
+            <a:endParaRPr lang="en-US" altLang="zh-CN" dirty="0" smtClean="0"/>
+          </a:p>
+          <a:p>
+            <a:endParaRPr lang="en-US" altLang="zh-CN" dirty="0" smtClean="0"/>
+          </a:p>
+          <a:p>
+            <a:r>
+              <a:rPr lang="zh-CN" altLang="en-US" dirty="0" smtClean="0"/>
+              <a:t>机构名称构成分析模块主要完成三个工作：构建机构常用词库，如地名、后缀库；对机构全称和简称的构成规律进行分析；对机构全称进行分词和词性标注。</a:t>
+            </a:r>
+            <a:endParaRPr lang="en-US" altLang="zh-CN" dirty="0" smtClean="0"/>
+          </a:p>
+          <a:p>
+            <a:endParaRPr lang="en-US" altLang="zh-CN" dirty="0" smtClean="0"/>
+          </a:p>
+          <a:p>
+            <a:r>
+              <a:rPr lang="zh-CN" altLang="en-US" dirty="0" smtClean="0"/>
+              <a:t>基于规则的机构候选简称生成模块主要完成机构全称的自动切分以及利用规则生成候选简称。</a:t>
+            </a:r>
+            <a:endParaRPr lang="en-US" altLang="zh-CN" dirty="0" smtClean="0"/>
+          </a:p>
+          <a:p>
+            <a:endParaRPr lang="en-US" altLang="zh-CN" dirty="0" smtClean="0"/>
+          </a:p>
+          <a:p>
+            <a:pPr marL="0" marR="0" indent="0" algn="l" defTabSz="914400" rtl="0" eaLnBrk="1" fontAlgn="auto" latinLnBrk="0" hangingPunct="1">
+              <a:lnSpc>
+                <a:spcPct val="100000"/>
+              </a:lnSpc>
+              <a:spcBef>
+                <a:spcPts val="0"/>
+              </a:spcBef>
+              <a:spcAft>
+                <a:spcPts val="0"/>
+              </a:spcAft>
+              <a:buClrTx/>
+              <a:buSzTx/>
+              <a:buFontTx/>
+              <a:buNone/>
+              <a:tabLst/>
+              <a:defRPr/>
+            </a:pPr>
+            <a:r>
+              <a:rPr lang="zh-CN" altLang="en-US" dirty="0" smtClean="0"/>
+              <a:t>基于</a:t>
             </a:r>
             <a:r>
               <a:rPr lang="en-US" altLang="zh-CN" dirty="0" smtClean="0"/>
-              <a:t>I-PER</a:t>
-            </a:r>
-            <a:r>
-              <a:rPr lang="zh-CN" altLang="en-US" dirty="0" smtClean="0"/>
-              <a:t>代表人名首字、人名非首字，</a:t>
+              <a:t>CRF</a:t>
+            </a:r>
+            <a:r>
+              <a:rPr lang="zh-CN" altLang="en-US" dirty="0" smtClean="0"/>
+              <a:t>的候选简称生成模块主要完成</a:t>
             </a:r>
             <a:r>
               <a:rPr lang="en-US" altLang="zh-CN" dirty="0" smtClean="0"/>
-              <a:t>B-LOC</a:t>
-            </a:r>
-            <a:r>
-              <a:rPr lang="zh-CN" altLang="en-US" dirty="0" smtClean="0"/>
-              <a:t>、</a:t>
-            </a:r>
-            <a:r>
-              <a:rPr lang="en-US" altLang="zh-CN" dirty="0" smtClean="0"/>
-              <a:t>I-LOC</a:t>
-            </a:r>
-            <a:r>
-              <a:rPr lang="zh-CN" altLang="en-US" dirty="0" smtClean="0"/>
-              <a:t>代表地名首字、地名非首字，</a:t>
-            </a:r>
-            <a:r>
-              <a:rPr lang="en-US" altLang="zh-CN" dirty="0" smtClean="0"/>
-              <a:t>B-ORG</a:t>
-            </a:r>
-            <a:r>
-              <a:rPr lang="zh-CN" altLang="en-US" dirty="0" smtClean="0"/>
-              <a:t>、</a:t>
-            </a:r>
-            <a:r>
-              <a:rPr lang="en-US" altLang="zh-CN" dirty="0" smtClean="0"/>
-              <a:t>I-ORG</a:t>
-            </a:r>
-            <a:r>
-              <a:rPr lang="zh-CN" altLang="en-US" dirty="0" smtClean="0"/>
-              <a:t>代表组织机构名首字、组织机构名非首字，</a:t>
-            </a:r>
-            <a:r>
-              <a:rPr lang="en-US" altLang="zh-CN" dirty="0" smtClean="0"/>
-              <a:t>O</a:t>
-            </a:r>
-            <a:r>
-              <a:rPr lang="zh-CN" altLang="en-US" dirty="0" smtClean="0"/>
-              <a:t>代表改字不属于命名实体的一部分。</a:t>
-            </a:r>
+              <a:t>CRF</a:t>
+            </a:r>
+            <a:r>
+              <a:rPr lang="zh-CN" altLang="en-US" dirty="0" smtClean="0"/>
+              <a:t>特征选择、语料标注、特征模板设计和模型训练。</a:t>
+            </a:r>
+            <a:endParaRPr lang="en-US" altLang="zh-CN" dirty="0" smtClean="0"/>
+          </a:p>
+          <a:p>
+            <a:pPr marL="0" marR="0" indent="0" algn="l" defTabSz="914400" rtl="0" eaLnBrk="1" fontAlgn="auto" latinLnBrk="0" hangingPunct="1">
+              <a:lnSpc>
+                <a:spcPct val="100000"/>
+              </a:lnSpc>
+              <a:spcBef>
+                <a:spcPts val="0"/>
+              </a:spcBef>
+              <a:spcAft>
+                <a:spcPts val="0"/>
+              </a:spcAft>
+              <a:buClrTx/>
+              <a:buSzTx/>
+              <a:buFontTx/>
+              <a:buNone/>
+              <a:tabLst/>
+              <a:defRPr/>
+            </a:pPr>
+            <a:endParaRPr lang="en-US" altLang="zh-CN" dirty="0" smtClean="0"/>
+          </a:p>
+          <a:p>
+            <a:pPr marL="0" marR="0" indent="0" algn="l" defTabSz="914400" rtl="0" eaLnBrk="1" fontAlgn="auto" latinLnBrk="0" hangingPunct="1">
+              <a:lnSpc>
+                <a:spcPct val="100000"/>
+              </a:lnSpc>
+              <a:spcBef>
+                <a:spcPts val="0"/>
+              </a:spcBef>
+              <a:spcAft>
+                <a:spcPts val="0"/>
+              </a:spcAft>
+              <a:buClrTx/>
+              <a:buSzTx/>
+              <a:buFontTx/>
+              <a:buNone/>
+              <a:tabLst/>
+              <a:defRPr/>
+            </a:pPr>
+            <a:r>
+              <a:rPr lang="zh-CN" altLang="en-US" dirty="0" smtClean="0"/>
+              <a:t>最后对这两种方法生成的候选简称进行融合，经过去重之后生成相应的候选简称集</a:t>
+            </a:r>
+            <a:endParaRPr lang="en-US" altLang="zh-CN" dirty="0" smtClean="0"/>
+          </a:p>
+          <a:p>
+            <a:endParaRPr lang="en-US" altLang="zh-CN" dirty="0" smtClean="0"/>
+          </a:p>
+          <a:p>
             <a:endParaRPr lang="zh-CN" altLang="en-US" dirty="0"/>
           </a:p>
         </p:txBody>
@@ -1263,7 +1413,7 @@
     </p:spTree>
     <p:extLst>
       <p:ext uri="{BB962C8B-B14F-4D97-AF65-F5344CB8AC3E}">
-        <p14:creationId xmlns:p14="http://schemas.microsoft.com/office/powerpoint/2010/main" val="1745645483"/>
+        <p14:creationId xmlns:p14="http://schemas.microsoft.com/office/powerpoint/2010/main" val="1195810283"/>
       </p:ext>
     </p:extLst>
   </p:cSld>
@@ -1317,6 +1467,36 @@
           <a:bodyPr/>
           <a:lstStyle/>
           <a:p>
+            <a:r>
+              <a:rPr lang="zh-CN" altLang="en-US" dirty="0" smtClean="0"/>
+              <a:t>基于规则生成机构候选简称的流程：首先对机构全称列表进行预处理，包括基本的分词和词性标注，然后利用收集的复合型后缀词库</a:t>
+            </a:r>
+            <a:r>
+              <a:rPr lang="en-US" altLang="zh-CN" dirty="0" smtClean="0"/>
+              <a:t>(</a:t>
+            </a:r>
+            <a:r>
+              <a:rPr lang="zh-CN" altLang="en-US" dirty="0" smtClean="0"/>
+              <a:t>机构的名称中嵌套着另一个机构</a:t>
+            </a:r>
+            <a:r>
+              <a:rPr lang="en-US" altLang="zh-CN" dirty="0" smtClean="0"/>
+              <a:t>)</a:t>
+            </a:r>
+            <a:r>
+              <a:rPr lang="zh-CN" altLang="en-US" dirty="0" smtClean="0"/>
+              <a:t>去机构全称中去匹配。若匹配到，就判定该机构类型为复合型，并将其切分为上下两个部分，如将“中国石油有限公司镇江分公司”切分成“中国石油有限公司”和“镇江分公司”。</a:t>
+            </a:r>
+            <a:endParaRPr lang="en-US" altLang="zh-CN" dirty="0" smtClean="0"/>
+          </a:p>
+          <a:p>
+            <a:endParaRPr lang="en-US" altLang="zh-CN" dirty="0" smtClean="0"/>
+          </a:p>
+          <a:p>
+            <a:r>
+              <a:rPr lang="zh-CN" altLang="en-US" dirty="0" smtClean="0"/>
+              <a:t>然后，再利用特征词库从全称中切分出核心串，最后再根据规则生成出候选的简称集</a:t>
+            </a:r>
             <a:endParaRPr lang="zh-CN" altLang="en-US" dirty="0"/>
           </a:p>
         </p:txBody>
@@ -1347,7 +1527,121 @@
     </p:spTree>
     <p:extLst>
       <p:ext uri="{BB962C8B-B14F-4D97-AF65-F5344CB8AC3E}">
-        <p14:creationId xmlns:p14="http://schemas.microsoft.com/office/powerpoint/2010/main" val="1195810283"/>
+        <p14:creationId xmlns:p14="http://schemas.microsoft.com/office/powerpoint/2010/main" val="3797591467"/>
+      </p:ext>
+    </p:extLst>
+  </p:cSld>
+  <p:clrMapOvr>
+    <a:masterClrMapping/>
+  </p:clrMapOvr>
+</p:notes>
+</file>
+
+<file path=ppt/notesSlides/notesSlide9.xml><?xml version="1.0" encoding="utf-8"?>
+<p:notes xmlns:a="http://schemas.openxmlformats.org/drawingml/2006/main" xmlns:r="http://schemas.openxmlformats.org/officeDocument/2006/relationships" xmlns:p="http://schemas.openxmlformats.org/presentationml/2006/main">
+  <p:cSld>
+    <p:spTree>
+      <p:nvGrpSpPr>
+        <p:cNvPr id="1" name=""/>
+        <p:cNvGrpSpPr/>
+        <p:nvPr/>
+      </p:nvGrpSpPr>
+      <p:grpSpPr>
+        <a:xfrm>
+          <a:off x="0" y="0"/>
+          <a:ext cx="0" cy="0"/>
+          <a:chOff x="0" y="0"/>
+          <a:chExt cx="0" cy="0"/>
+        </a:xfrm>
+      </p:grpSpPr>
+      <p:sp>
+        <p:nvSpPr>
+          <p:cNvPr id="2" name="幻灯片图像占位符 1"/>
+          <p:cNvSpPr>
+            <a:spLocks noGrp="1" noRot="1" noChangeAspect="1"/>
+          </p:cNvSpPr>
+          <p:nvPr>
+            <p:ph type="sldImg"/>
+          </p:nvPr>
+        </p:nvSpPr>
+        <p:spPr/>
+      </p:sp>
+      <p:sp>
+        <p:nvSpPr>
+          <p:cNvPr id="3" name="备注占位符 2"/>
+          <p:cNvSpPr>
+            <a:spLocks noGrp="1"/>
+          </p:cNvSpPr>
+          <p:nvPr>
+            <p:ph type="body" idx="1"/>
+          </p:nvPr>
+        </p:nvSpPr>
+        <p:spPr/>
+        <p:txBody>
+          <a:bodyPr/>
+          <a:lstStyle/>
+          <a:p>
+            <a:r>
+              <a:rPr lang="zh-CN" altLang="en-US" dirty="0" smtClean="0"/>
+              <a:t>基于规则生成机构候选简称的流程：首先对机构全称列表进行预处理，包括基本的分词和词性标注，然后利用收集的复合型后缀词库</a:t>
+            </a:r>
+            <a:r>
+              <a:rPr lang="en-US" altLang="zh-CN" dirty="0" smtClean="0"/>
+              <a:t>(</a:t>
+            </a:r>
+            <a:r>
+              <a:rPr lang="zh-CN" altLang="en-US" dirty="0" smtClean="0"/>
+              <a:t>机构的名称中嵌套着另一个机构</a:t>
+            </a:r>
+            <a:r>
+              <a:rPr lang="en-US" altLang="zh-CN" dirty="0" smtClean="0"/>
+              <a:t>)</a:t>
+            </a:r>
+            <a:r>
+              <a:rPr lang="zh-CN" altLang="en-US" dirty="0" smtClean="0"/>
+              <a:t>去机构全称中去匹配。若匹配到，就判定该机构类型为复合型，并将其切分为上下两个部分，如将“中国石油有限公司镇江分公司”切分成“中国石油有限公司”和“镇江分公司”。</a:t>
+            </a:r>
+            <a:endParaRPr lang="en-US" altLang="zh-CN" dirty="0" smtClean="0"/>
+          </a:p>
+          <a:p>
+            <a:endParaRPr lang="en-US" altLang="zh-CN" dirty="0" smtClean="0"/>
+          </a:p>
+          <a:p>
+            <a:r>
+              <a:rPr lang="zh-CN" altLang="en-US" dirty="0" smtClean="0"/>
+              <a:t>然后，再利用特征词库从全称中切分出核心串，最后再根据规则生成出候选的简称集</a:t>
+            </a:r>
+            <a:endParaRPr lang="zh-CN" altLang="en-US" dirty="0"/>
+          </a:p>
+        </p:txBody>
+      </p:sp>
+      <p:sp>
+        <p:nvSpPr>
+          <p:cNvPr id="4" name="灯片编号占位符 3"/>
+          <p:cNvSpPr>
+            <a:spLocks noGrp="1"/>
+          </p:cNvSpPr>
+          <p:nvPr>
+            <p:ph type="sldNum" sz="quarter" idx="10"/>
+          </p:nvPr>
+        </p:nvSpPr>
+        <p:spPr/>
+        <p:txBody>
+          <a:bodyPr/>
+          <a:lstStyle/>
+          <a:p>
+            <a:fld id="{446F7A48-CBAD-4BDE-987B-C95199978927}" type="slidenum">
+              <a:rPr lang="zh-CN" altLang="en-US" smtClean="0"/>
+              <a:t>11</a:t>
+            </a:fld>
+            <a:endParaRPr lang="zh-CN" altLang="en-US"/>
+          </a:p>
+        </p:txBody>
+      </p:sp>
+    </p:spTree>
+    <p:extLst>
+      <p:ext uri="{BB962C8B-B14F-4D97-AF65-F5344CB8AC3E}">
+        <p14:creationId xmlns:p14="http://schemas.microsoft.com/office/powerpoint/2010/main" val="504005442"/>
       </p:ext>
     </p:extLst>
   </p:cSld>
@@ -4369,7 +4663,7 @@
         </p:nvSpPr>
         <p:spPr>
           <a:xfrm>
-            <a:off x="838200" y="1690688"/>
+            <a:off x="909222" y="1424358"/>
             <a:ext cx="10515600" cy="4351338"/>
           </a:xfrm>
         </p:spPr>
@@ -4378,14 +4672,45 @@
           <a:lstStyle/>
           <a:p>
             <a:r>
-              <a:rPr lang="en-US" altLang="zh-CN" dirty="0"/>
-              <a:t>2</a:t>
-            </a:r>
-            <a:r>
-              <a:rPr lang="zh-CN" altLang="en-US" dirty="0" smtClean="0"/>
-              <a:t>、机构名简称识别</a:t>
-            </a:r>
+              <a:rPr lang="zh-CN" altLang="en-US" dirty="0"/>
+              <a:t>基于</a:t>
+            </a:r>
+            <a:r>
+              <a:rPr lang="zh-CN" altLang="en-US" dirty="0" smtClean="0"/>
+              <a:t>规则生成候选简称集</a:t>
+            </a:r>
+            <a:endParaRPr lang="en-US" altLang="zh-CN" dirty="0" smtClean="0"/>
+          </a:p>
+          <a:p>
             <a:endParaRPr lang="zh-CN" altLang="en-US" dirty="0"/>
+          </a:p>
+        </p:txBody>
+      </p:sp>
+      <p:sp>
+        <p:nvSpPr>
+          <p:cNvPr id="4" name="矩形 3"/>
+          <p:cNvSpPr/>
+          <p:nvPr/>
+        </p:nvSpPr>
+        <p:spPr>
+          <a:xfrm>
+            <a:off x="5972408" y="3244334"/>
+            <a:ext cx="247184" cy="369332"/>
+          </a:xfrm>
+          <a:prstGeom prst="rect">
+            <a:avLst/>
+          </a:prstGeom>
+        </p:spPr>
+        <p:txBody>
+          <a:bodyPr wrap="none">
+            <a:spAutoFit/>
+          </a:bodyPr>
+          <a:lstStyle/>
+          <a:p>
+            <a:r>
+              <a:rPr lang="zh-CN" altLang="en-US" dirty="0"/>
+              <a:t> </a:t>
+            </a:r>
           </a:p>
         </p:txBody>
       </p:sp>
@@ -4398,15 +4723,21 @@
           <p:nvPr/>
         </p:nvPicPr>
         <p:blipFill>
-          <a:blip r:embed="rId3"/>
+          <a:blip r:embed="rId3">
+            <a:extLst>
+              <a:ext uri="{28A0092B-C50C-407E-A947-70E740481C1C}">
+                <a14:useLocalDpi xmlns:a14="http://schemas.microsoft.com/office/drawing/2010/main" val="0"/>
+              </a:ext>
+            </a:extLst>
+          </a:blip>
           <a:stretch>
             <a:fillRect/>
           </a:stretch>
         </p:blipFill>
         <p:spPr>
           <a:xfrm>
-            <a:off x="2970218" y="2438017"/>
-            <a:ext cx="5471634" cy="4419983"/>
+            <a:off x="909222" y="1839950"/>
+            <a:ext cx="4591515" cy="5118410"/>
           </a:xfrm>
           <a:prstGeom prst="rect">
             <a:avLst/>
@@ -4416,7 +4747,7 @@
     </p:spTree>
     <p:extLst>
       <p:ext uri="{BB962C8B-B14F-4D97-AF65-F5344CB8AC3E}">
-        <p14:creationId xmlns:p14="http://schemas.microsoft.com/office/powerpoint/2010/main" val="75435498"/>
+        <p14:creationId xmlns:p14="http://schemas.microsoft.com/office/powerpoint/2010/main" val="3646179949"/>
       </p:ext>
     </p:extLst>
   </p:cSld>
@@ -4434,6 +4765,238 @@
 </file>
 
 <file path=ppt/slides/slide11.xml><?xml version="1.0" encoding="utf-8"?>
+<p:sld xmlns:a="http://schemas.openxmlformats.org/drawingml/2006/main" xmlns:r="http://schemas.openxmlformats.org/officeDocument/2006/relationships" xmlns:p="http://schemas.openxmlformats.org/presentationml/2006/main">
+  <p:cSld>
+    <p:spTree>
+      <p:nvGrpSpPr>
+        <p:cNvPr id="1" name=""/>
+        <p:cNvGrpSpPr/>
+        <p:nvPr/>
+      </p:nvGrpSpPr>
+      <p:grpSpPr>
+        <a:xfrm>
+          <a:off x="0" y="0"/>
+          <a:ext cx="0" cy="0"/>
+          <a:chOff x="0" y="0"/>
+          <a:chExt cx="0" cy="0"/>
+        </a:xfrm>
+      </p:grpSpPr>
+      <p:sp>
+        <p:nvSpPr>
+          <p:cNvPr id="2" name="标题 1"/>
+          <p:cNvSpPr>
+            <a:spLocks noGrp="1"/>
+          </p:cNvSpPr>
+          <p:nvPr>
+            <p:ph type="title"/>
+          </p:nvPr>
+        </p:nvSpPr>
+        <p:spPr/>
+        <p:txBody>
+          <a:bodyPr/>
+          <a:lstStyle/>
+          <a:p>
+            <a:pPr algn="ctr"/>
+            <a:r>
+              <a:rPr lang="zh-CN" altLang="en-US" dirty="0" smtClean="0"/>
+              <a:t>研究内容</a:t>
+            </a:r>
+            <a:endParaRPr lang="zh-CN" altLang="en-US" dirty="0"/>
+          </a:p>
+        </p:txBody>
+      </p:sp>
+      <p:sp>
+        <p:nvSpPr>
+          <p:cNvPr id="5" name="内容占位符 4"/>
+          <p:cNvSpPr>
+            <a:spLocks noGrp="1"/>
+          </p:cNvSpPr>
+          <p:nvPr>
+            <p:ph idx="1"/>
+          </p:nvPr>
+        </p:nvSpPr>
+        <p:spPr>
+          <a:xfrm>
+            <a:off x="909222" y="1424358"/>
+            <a:ext cx="10515600" cy="4351338"/>
+          </a:xfrm>
+        </p:spPr>
+        <p:txBody>
+          <a:bodyPr/>
+          <a:lstStyle/>
+          <a:p>
+            <a:r>
+              <a:rPr lang="zh-CN" altLang="en-US" dirty="0"/>
+              <a:t>基于</a:t>
+            </a:r>
+            <a:r>
+              <a:rPr lang="zh-CN" altLang="en-US" dirty="0" smtClean="0"/>
+              <a:t>规</a:t>
+            </a:r>
+            <a:r>
+              <a:rPr lang="en-US" altLang="zh-CN" dirty="0" smtClean="0"/>
+              <a:t>CRF</a:t>
+            </a:r>
+            <a:r>
+              <a:rPr lang="zh-CN" altLang="en-US" dirty="0" smtClean="0"/>
+              <a:t>生成候选简称集</a:t>
+            </a:r>
+            <a:endParaRPr lang="en-US" altLang="zh-CN" dirty="0" smtClean="0"/>
+          </a:p>
+          <a:p>
+            <a:endParaRPr lang="zh-CN" altLang="en-US" dirty="0"/>
+          </a:p>
+        </p:txBody>
+      </p:sp>
+      <p:sp>
+        <p:nvSpPr>
+          <p:cNvPr id="4" name="矩形 3"/>
+          <p:cNvSpPr/>
+          <p:nvPr/>
+        </p:nvSpPr>
+        <p:spPr>
+          <a:xfrm>
+            <a:off x="5972408" y="3244334"/>
+            <a:ext cx="247184" cy="369332"/>
+          </a:xfrm>
+          <a:prstGeom prst="rect">
+            <a:avLst/>
+          </a:prstGeom>
+        </p:spPr>
+        <p:txBody>
+          <a:bodyPr wrap="none">
+            <a:spAutoFit/>
+          </a:bodyPr>
+          <a:lstStyle/>
+          <a:p>
+            <a:r>
+              <a:rPr lang="zh-CN" altLang="en-US" dirty="0"/>
+              <a:t> </a:t>
+            </a:r>
+          </a:p>
+        </p:txBody>
+      </p:sp>
+    </p:spTree>
+    <p:extLst>
+      <p:ext uri="{BB962C8B-B14F-4D97-AF65-F5344CB8AC3E}">
+        <p14:creationId xmlns:p14="http://schemas.microsoft.com/office/powerpoint/2010/main" val="3674456977"/>
+      </p:ext>
+    </p:extLst>
+  </p:cSld>
+  <p:clrMapOvr>
+    <a:masterClrMapping/>
+  </p:clrMapOvr>
+  <p:timing>
+    <p:tnLst>
+      <p:par>
+        <p:cTn id="1" dur="indefinite" restart="never" nodeType="tmRoot"/>
+      </p:par>
+    </p:tnLst>
+  </p:timing>
+</p:sld>
+</file>
+
+<file path=ppt/slides/slide12.xml><?xml version="1.0" encoding="utf-8"?>
+<p:sld xmlns:a="http://schemas.openxmlformats.org/drawingml/2006/main" xmlns:r="http://schemas.openxmlformats.org/officeDocument/2006/relationships" xmlns:p="http://schemas.openxmlformats.org/presentationml/2006/main">
+  <p:cSld>
+    <p:spTree>
+      <p:nvGrpSpPr>
+        <p:cNvPr id="1" name=""/>
+        <p:cNvGrpSpPr/>
+        <p:nvPr/>
+      </p:nvGrpSpPr>
+      <p:grpSpPr>
+        <a:xfrm>
+          <a:off x="0" y="0"/>
+          <a:ext cx="0" cy="0"/>
+          <a:chOff x="0" y="0"/>
+          <a:chExt cx="0" cy="0"/>
+        </a:xfrm>
+      </p:grpSpPr>
+      <p:sp>
+        <p:nvSpPr>
+          <p:cNvPr id="2" name="标题 1"/>
+          <p:cNvSpPr>
+            <a:spLocks noGrp="1"/>
+          </p:cNvSpPr>
+          <p:nvPr>
+            <p:ph type="title"/>
+          </p:nvPr>
+        </p:nvSpPr>
+        <p:spPr/>
+        <p:txBody>
+          <a:bodyPr/>
+          <a:lstStyle/>
+          <a:p>
+            <a:pPr algn="ctr"/>
+            <a:r>
+              <a:rPr lang="zh-CN" altLang="en-US" dirty="0" smtClean="0"/>
+              <a:t>研究内容</a:t>
+            </a:r>
+            <a:endParaRPr lang="zh-CN" altLang="en-US" dirty="0"/>
+          </a:p>
+        </p:txBody>
+      </p:sp>
+      <p:sp>
+        <p:nvSpPr>
+          <p:cNvPr id="5" name="内容占位符 4"/>
+          <p:cNvSpPr>
+            <a:spLocks noGrp="1"/>
+          </p:cNvSpPr>
+          <p:nvPr>
+            <p:ph idx="1"/>
+          </p:nvPr>
+        </p:nvSpPr>
+        <p:spPr>
+          <a:xfrm>
+            <a:off x="909222" y="1424358"/>
+            <a:ext cx="10515600" cy="4351338"/>
+          </a:xfrm>
+        </p:spPr>
+        <p:txBody>
+          <a:bodyPr/>
+          <a:lstStyle/>
+          <a:p>
+            <a:r>
+              <a:rPr lang="en-US" altLang="zh-CN" dirty="0"/>
+              <a:t>3</a:t>
+            </a:r>
+            <a:r>
+              <a:rPr lang="zh-CN" altLang="en-US" dirty="0" smtClean="0"/>
+              <a:t>、组织机构的</a:t>
+            </a:r>
+            <a:r>
+              <a:rPr lang="zh-CN" altLang="en-US" dirty="0" smtClean="0"/>
+              <a:t>简称识别</a:t>
+            </a:r>
+            <a:endParaRPr lang="en-US" altLang="zh-CN" dirty="0" smtClean="0"/>
+          </a:p>
+          <a:p>
+            <a:endParaRPr lang="zh-CN" altLang="en-US" dirty="0"/>
+          </a:p>
+        </p:txBody>
+      </p:sp>
+    </p:spTree>
+    <p:extLst>
+      <p:ext uri="{BB962C8B-B14F-4D97-AF65-F5344CB8AC3E}">
+        <p14:creationId xmlns:p14="http://schemas.microsoft.com/office/powerpoint/2010/main" val="1861253963"/>
+      </p:ext>
+    </p:extLst>
+  </p:cSld>
+  <p:clrMapOvr>
+    <a:masterClrMapping/>
+  </p:clrMapOvr>
+  <p:timing>
+    <p:tnLst>
+      <p:par>
+        <p:cTn id="1" dur="indefinite" restart="never" nodeType="tmRoot"/>
+      </p:par>
+    </p:tnLst>
+  </p:timing>
+</p:sld>
+</file>
+
+<file path=ppt/slides/slide13.xml><?xml version="1.0" encoding="utf-8"?>
 <p:sld xmlns:a="http://schemas.openxmlformats.org/drawingml/2006/main" xmlns:r="http://schemas.openxmlformats.org/officeDocument/2006/relationships" xmlns:p="http://schemas.openxmlformats.org/presentationml/2006/main">
   <p:cSld>
     <p:spTree>
@@ -4585,15 +5148,15 @@
           <a:p>
             <a:r>
               <a:rPr lang="zh-CN" altLang="en-US" dirty="0" smtClean="0"/>
-              <a:t>以电子形式存储的文本数据正以爆炸式的速度增长。快速从大量数据中挖掘和提取出所需的信息，变得极为重要。靠人力从海量数据中逐条提取是不现实的，于是，利用机器进行自然语言处理、文本挖掘、信息抽取、模式识别等成为近些年来的热门研究</a:t>
-            </a:r>
-            <a:r>
-              <a:rPr lang="en-US" altLang="zh-CN" dirty="0" smtClean="0"/>
-              <a:t>l</a:t>
-            </a:r>
-            <a:r>
-              <a:rPr lang="zh-CN" altLang="en-US" dirty="0" smtClean="0"/>
-              <a:t>领域。                                                                                                                                                                                                                                                                                                                                                                                                                                                                                                                                                                                                                                                                                                                                                                                                                                                                                                                                                                                                                                                                                                                                                                                                                                                                                                                                                                                                                                                                                                                                                                                                                                                                                                                                                                                                                                                                                                                                                                                                                                                                                                                                                                                                                                                                                                                                                                                                                                                                                                                                                                                                                                                                                                                                                                                                                                                                                                                                                                                                                                                                                                                                                                                                                                                                                                                                                                                                           </a:t>
+              <a:t>以电子形式存储的文本数据正以爆炸式的速度增长。快速从大量数据中挖掘和提取出所需的信息，变得极为重要。靠人力从海量数据中逐条提取是不现实的，于是，利用机器进行自然语言处理、文本挖掘、信息抽取、模式识别等成为近些年来的热门</a:t>
+            </a:r>
+            <a:r>
+              <a:rPr lang="zh-CN" altLang="en-US" dirty="0" smtClean="0"/>
+              <a:t>研究领域</a:t>
+            </a:r>
+            <a:r>
+              <a:rPr lang="zh-CN" altLang="en-US" dirty="0" smtClean="0"/>
+              <a:t>。                                                                                                                                                                                                                                                                                                                                                                                                                                                                                                                                                                                                                                                                                                                                                                                                                                                                                                                                                                                                                                                                                                                                                                                                                                                                                                                                                                                                                                                                                                                                                                                                                                                                                                                                                                                                                                                                                                                                                                                                                                                                                                                                                                                                                                                                                                                                                                                                                                                                                                                                                                                                                                                                                                                                                                                                                                                                                                                                                                                                                                                                                                                                                                                                                                                                                                                                                                                                           </a:t>
             </a:r>
             <a:endParaRPr lang="zh-CN" altLang="en-US" dirty="0"/>
           </a:p>
@@ -5222,7 +5785,7 @@
       </p:grpSpPr>
       <p:sp>
         <p:nvSpPr>
-          <p:cNvPr id="2" name="标题 1"/>
+          <p:cNvPr id="6" name="标题 1"/>
           <p:cNvSpPr>
             <a:spLocks noGrp="1"/>
           </p:cNvSpPr>
@@ -5230,7 +5793,12 @@
             <p:ph type="title"/>
           </p:nvPr>
         </p:nvSpPr>
-        <p:spPr/>
+        <p:spPr>
+          <a:xfrm>
+            <a:off x="838200" y="365125"/>
+            <a:ext cx="10515600" cy="1325563"/>
+          </a:xfrm>
+        </p:spPr>
         <p:txBody>
           <a:bodyPr/>
           <a:lstStyle/>
@@ -5238,7 +5806,7 @@
             <a:pPr algn="ctr"/>
             <a:r>
               <a:rPr lang="zh-CN" altLang="en-US" dirty="0" smtClean="0"/>
-              <a:t>简称数据集的构造</a:t>
+              <a:t>研究现状</a:t>
             </a:r>
             <a:endParaRPr lang="zh-CN" altLang="en-US" dirty="0"/>
           </a:p>
@@ -5246,7 +5814,7 @@
       </p:sp>
       <p:sp>
         <p:nvSpPr>
-          <p:cNvPr id="3" name="内容占位符 2"/>
+          <p:cNvPr id="7" name="内容占位符 6"/>
           <p:cNvSpPr>
             <a:spLocks noGrp="1"/>
           </p:cNvSpPr>
@@ -5256,23 +5824,65 @@
         </p:nvSpPr>
         <p:spPr/>
         <p:txBody>
-          <a:bodyPr/>
-          <a:lstStyle/>
-          <a:p>
-            <a:endParaRPr lang="zh-CN" altLang="en-US" dirty="0"/>
+          <a:bodyPr>
+            <a:normAutofit/>
+          </a:bodyPr>
+          <a:lstStyle/>
+          <a:p>
+            <a:pPr marL="342900" indent="-342900">
+              <a:spcBef>
+                <a:spcPct val="20000"/>
+              </a:spcBef>
+            </a:pPr>
+            <a:r>
+              <a:rPr lang="zh-CN" altLang="en-US" sz="3200" b="1" dirty="0"/>
+              <a:t>机构</a:t>
+            </a:r>
+            <a:r>
+              <a:rPr lang="zh-CN" altLang="en-US" sz="3200" b="1" dirty="0" smtClean="0"/>
+              <a:t>名简称识别</a:t>
+            </a:r>
+            <a:r>
+              <a:rPr lang="zh-CN" altLang="en-US" sz="3200" b="1" dirty="0"/>
+              <a:t>研究</a:t>
+            </a:r>
+            <a:r>
+              <a:rPr lang="zh-CN" altLang="en-US" sz="3200" b="1" dirty="0" smtClean="0"/>
+              <a:t>现状</a:t>
+            </a:r>
+            <a:endParaRPr lang="en-US" altLang="zh-CN" sz="3200" b="1" dirty="0" smtClean="0"/>
+          </a:p>
+          <a:p>
+            <a:pPr marL="342900" indent="-342900">
+              <a:spcBef>
+                <a:spcPct val="20000"/>
+              </a:spcBef>
+            </a:pPr>
+            <a:r>
+              <a:rPr lang="zh-CN" altLang="en-US" dirty="0" smtClean="0"/>
+              <a:t>针对简称的识别研究，主要包括人工总结规则、分析机构名构成特征、利用组织机构名称的上下文信息等。但这些方法都存在一定的缺陷，难以识别一些全称与简称中的汉字并不严格对应的情况，例如“电子科技大学”及其简称“成电”</a:t>
+            </a:r>
+            <a:endParaRPr lang="en-US" altLang="zh-CN" dirty="0" smtClean="0"/>
           </a:p>
         </p:txBody>
       </p:sp>
     </p:spTree>
     <p:extLst>
       <p:ext uri="{BB962C8B-B14F-4D97-AF65-F5344CB8AC3E}">
-        <p14:creationId xmlns:p14="http://schemas.microsoft.com/office/powerpoint/2010/main" val="224238278"/>
+        <p14:creationId xmlns:p14="http://schemas.microsoft.com/office/powerpoint/2010/main" val="1886377768"/>
       </p:ext>
     </p:extLst>
   </p:cSld>
   <p:clrMapOvr>
     <a:masterClrMapping/>
   </p:clrMapOvr>
+  <p:timing>
+    <p:tnLst>
+      <p:par>
+        <p:cTn id="1" dur="indefinite" restart="never" nodeType="tmRoot"/>
+      </p:par>
+    </p:tnLst>
+  </p:timing>
 </p:sld>
 </file>
 
@@ -5303,526 +5913,103 @@
             <p:ph type="title"/>
           </p:nvPr>
         </p:nvSpPr>
+        <p:spPr/>
+        <p:txBody>
+          <a:bodyPr/>
+          <a:lstStyle/>
+          <a:p>
+            <a:pPr algn="ctr"/>
+            <a:r>
+              <a:rPr lang="zh-CN" altLang="en-US" dirty="0" smtClean="0"/>
+              <a:t>研究内容</a:t>
+            </a:r>
+            <a:endParaRPr lang="zh-CN" altLang="en-US" dirty="0"/>
+          </a:p>
+        </p:txBody>
+      </p:sp>
+      <p:sp>
+        <p:nvSpPr>
+          <p:cNvPr id="5" name="内容占位符 4"/>
+          <p:cNvSpPr>
+            <a:spLocks noGrp="1"/>
+          </p:cNvSpPr>
+          <p:nvPr>
+            <p:ph idx="1"/>
+          </p:nvPr>
+        </p:nvSpPr>
         <p:spPr>
           <a:xfrm>
-            <a:off x="838200" y="365125"/>
-            <a:ext cx="9906000" cy="1325563"/>
+            <a:off x="838200" y="1481554"/>
+            <a:ext cx="10515600" cy="4351338"/>
           </a:xfrm>
         </p:spPr>
         <p:txBody>
-          <a:bodyPr>
-            <a:normAutofit/>
-          </a:bodyPr>
-          <a:lstStyle/>
-          <a:p>
-            <a:pPr algn="ctr"/>
-            <a:r>
-              <a:rPr lang="zh-CN" altLang="en-US" dirty="0" smtClean="0"/>
-              <a:t>消歧算法</a:t>
-            </a:r>
+          <a:bodyPr/>
+          <a:lstStyle/>
+          <a:p>
             <a:r>
               <a:rPr lang="en-US" altLang="zh-CN" dirty="0" smtClean="0"/>
-              <a:t/>
-            </a:r>
-            <a:br>
-              <a:rPr lang="en-US" altLang="zh-CN" dirty="0" smtClean="0"/>
-            </a:br>
+              <a:t>1</a:t>
+            </a:r>
+            <a:r>
+              <a:rPr lang="zh-CN" altLang="en-US" dirty="0" smtClean="0"/>
+              <a:t>、基于</a:t>
+            </a:r>
+            <a:r>
+              <a:rPr lang="en-US" altLang="zh-CN" dirty="0" err="1" smtClean="0"/>
+              <a:t>BiLSTM+CRF</a:t>
+            </a:r>
+            <a:r>
+              <a:rPr lang="zh-CN" altLang="en-US" dirty="0" smtClean="0"/>
+              <a:t>的机构名识别</a:t>
+            </a:r>
             <a:endParaRPr lang="zh-CN" altLang="en-US" dirty="0"/>
           </a:p>
         </p:txBody>
       </p:sp>
-      <p:sp>
-        <p:nvSpPr>
-          <p:cNvPr id="8" name="矩形 7"/>
-          <p:cNvSpPr/>
+      <p:pic>
+        <p:nvPicPr>
+          <p:cNvPr id="6" name="图片 5" descr="C:\Users\Jack\Desktop\CRF+BiLSTM.png"/>
+          <p:cNvPicPr/>
           <p:nvPr/>
-        </p:nvSpPr>
-        <p:spPr>
+        </p:nvPicPr>
+        <p:blipFill>
+          <a:blip r:embed="rId3" cstate="print">
+            <a:extLst>
+              <a:ext uri="{28A0092B-C50C-407E-A947-70E740481C1C}">
+                <a14:useLocalDpi xmlns:a14="http://schemas.microsoft.com/office/drawing/2010/main" val="0"/>
+              </a:ext>
+            </a:extLst>
+          </a:blip>
+          <a:srcRect/>
+          <a:stretch>
+            <a:fillRect/>
+          </a:stretch>
+        </p:blipFill>
+        <p:spPr bwMode="auto">
           <a:xfrm>
-            <a:off x="185980" y="1262635"/>
-            <a:ext cx="11608229" cy="584775"/>
+            <a:off x="1505415" y="1940312"/>
+            <a:ext cx="4757639" cy="4722869"/>
           </a:xfrm>
           <a:prstGeom prst="rect">
             <a:avLst/>
           </a:prstGeom>
+          <a:noFill/>
+          <a:ln>
+            <a:noFill/>
+          </a:ln>
         </p:spPr>
-        <p:txBody>
-          <a:bodyPr wrap="square">
-            <a:spAutoFit/>
-          </a:bodyPr>
-          <a:lstStyle/>
-          <a:p>
-            <a:r>
-              <a:rPr lang="en-US" altLang="zh-CN" sz="3200" dirty="0" smtClean="0">
-                <a:latin typeface="Calibri Light" panose="020F0302020204030204" pitchFamily="34" charset="0"/>
-              </a:rPr>
-              <a:t>      </a:t>
-            </a:r>
-            <a:endParaRPr lang="zh-CN" altLang="en-US" sz="3200" dirty="0">
-              <a:latin typeface="Calibri Light" panose="020F0302020204030204" pitchFamily="34" charset="0"/>
-            </a:endParaRPr>
-          </a:p>
-        </p:txBody>
-      </p:sp>
-      <p:sp>
-        <p:nvSpPr>
-          <p:cNvPr id="5" name="内容占位符 4"/>
-          <p:cNvSpPr>
-            <a:spLocks noGrp="1"/>
-          </p:cNvSpPr>
-          <p:nvPr>
-            <p:ph idx="1"/>
-          </p:nvPr>
+      </p:pic>
+      <p:sp>
+        <p:nvSpPr>
+          <p:cNvPr id="7" name="文本框 6"/>
+          <p:cNvSpPr txBox="1"/>
+          <p:nvPr/>
         </p:nvSpPr>
         <p:spPr>
           <a:xfrm>
-            <a:off x="907410" y="1251974"/>
-            <a:ext cx="9906000" cy="3610671"/>
-          </a:xfrm>
-        </p:spPr>
-        <p:txBody>
-          <a:bodyPr/>
-          <a:lstStyle/>
-          <a:p>
-            <a:endParaRPr lang="en-US" altLang="zh-CN" dirty="0" smtClean="0"/>
-          </a:p>
-          <a:p>
-            <a:r>
-              <a:rPr lang="zh-CN" altLang="en-US" dirty="0" smtClean="0"/>
-              <a:t>词袋模型：给定一个待消歧的命名实体</a:t>
-            </a:r>
-            <a:r>
-              <a:rPr lang="en-US" altLang="zh-CN" dirty="0" smtClean="0"/>
-              <a:t>e</a:t>
-            </a:r>
-            <a:r>
-              <a:rPr lang="zh-CN" altLang="en-US" dirty="0" smtClean="0"/>
-              <a:t>，与上下文信息</a:t>
-            </a:r>
-            <a:r>
-              <a:rPr lang="en-US" altLang="zh-CN" dirty="0" smtClean="0"/>
-              <a:t>C</a:t>
-            </a:r>
-            <a:r>
-              <a:rPr lang="zh-CN" altLang="en-US" dirty="0" smtClean="0"/>
-              <a:t>，对于两个指向相同的实体概念通过上下文信息特征计算他们的相似度</a:t>
-            </a:r>
-            <a:endParaRPr lang="zh-CN" altLang="en-US" dirty="0"/>
-          </a:p>
-        </p:txBody>
-      </p:sp>
-      <p:graphicFrame>
-        <p:nvGraphicFramePr>
-          <p:cNvPr id="7" name="表格 6"/>
-          <p:cNvGraphicFramePr>
-            <a:graphicFrameLocks noGrp="1"/>
-          </p:cNvGraphicFramePr>
-          <p:nvPr>
-            <p:extLst>
-              <p:ext uri="{D42A27DB-BD31-4B8C-83A1-F6EECF244321}">
-                <p14:modId xmlns:p14="http://schemas.microsoft.com/office/powerpoint/2010/main" val="1140533322"/>
-              </p:ext>
-            </p:extLst>
-          </p:nvPr>
-        </p:nvGraphicFramePr>
-        <p:xfrm>
-          <a:off x="533208" y="3783073"/>
-          <a:ext cx="3976916" cy="2839720"/>
-        </p:xfrm>
-        <a:graphic>
-          <a:graphicData uri="http://schemas.openxmlformats.org/drawingml/2006/table">
-            <a:tbl>
-              <a:tblPr firstRow="1" bandRow="1">
-                <a:tableStyleId>{073A0DAA-6AF3-43AB-8588-CEC1D06C72B9}</a:tableStyleId>
-              </a:tblPr>
-              <a:tblGrid>
-                <a:gridCol w="1988458">
-                  <a:extLst>
-                    <a:ext uri="{9D8B030D-6E8A-4147-A177-3AD203B41FA5}">
-                      <a16:colId xmlns:a16="http://schemas.microsoft.com/office/drawing/2014/main" val="1614793186"/>
-                    </a:ext>
-                  </a:extLst>
-                </a:gridCol>
-                <a:gridCol w="1988458">
-                  <a:extLst>
-                    <a:ext uri="{9D8B030D-6E8A-4147-A177-3AD203B41FA5}">
-                      <a16:colId xmlns:a16="http://schemas.microsoft.com/office/drawing/2014/main" val="364640352"/>
-                    </a:ext>
-                  </a:extLst>
-                </a:gridCol>
-              </a:tblGrid>
-              <a:tr h="370840">
-                <a:tc>
-                  <a:txBody>
-                    <a:bodyPr/>
-                    <a:lstStyle/>
-                    <a:p>
-                      <a:pPr algn="ctr"/>
-                      <a:r>
-                        <a:rPr lang="zh-CN" altLang="en-US" dirty="0" smtClean="0"/>
-                        <a:t>命名实体</a:t>
-                      </a:r>
-                      <a:endParaRPr lang="zh-CN" altLang="en-US" dirty="0"/>
-                    </a:p>
-                  </a:txBody>
-                  <a:tcPr/>
-                </a:tc>
-                <a:tc>
-                  <a:txBody>
-                    <a:bodyPr/>
-                    <a:lstStyle/>
-                    <a:p>
-                      <a:pPr algn="ctr"/>
-                      <a:r>
-                        <a:rPr lang="zh-CN" altLang="en-US" dirty="0" smtClean="0"/>
-                        <a:t>文本</a:t>
-                      </a:r>
-                      <a:endParaRPr lang="zh-CN" altLang="en-US" dirty="0"/>
-                    </a:p>
-                  </a:txBody>
-                  <a:tcPr/>
-                </a:tc>
-                <a:extLst>
-                  <a:ext uri="{0D108BD9-81ED-4DB2-BD59-A6C34878D82A}">
-                    <a16:rowId xmlns:a16="http://schemas.microsoft.com/office/drawing/2014/main" val="2486228303"/>
-                  </a:ext>
-                </a:extLst>
-              </a:tr>
-              <a:tr h="370840">
-                <a:tc>
-                  <a:txBody>
-                    <a:bodyPr/>
-                    <a:lstStyle/>
-                    <a:p>
-                      <a:pPr algn="ctr"/>
-                      <a:r>
-                        <a:rPr lang="zh-CN" altLang="en-US" dirty="0" smtClean="0"/>
-                        <a:t>苹果</a:t>
-                      </a:r>
-                      <a:r>
-                        <a:rPr lang="en-US" altLang="zh-CN" dirty="0" smtClean="0"/>
-                        <a:t>1</a:t>
-                      </a:r>
-                      <a:endParaRPr lang="zh-CN" altLang="en-US" dirty="0"/>
-                    </a:p>
-                  </a:txBody>
-                  <a:tcPr/>
-                </a:tc>
-                <a:tc>
-                  <a:txBody>
-                    <a:bodyPr/>
-                    <a:lstStyle/>
-                    <a:p>
-                      <a:r>
-                        <a:rPr lang="zh-CN" altLang="en-US" dirty="0" smtClean="0"/>
-                        <a:t>苹果公司最近推出了一款新的电子产品</a:t>
-                      </a:r>
-                      <a:endParaRPr lang="zh-CN" altLang="en-US" dirty="0"/>
-                    </a:p>
-                  </a:txBody>
-                  <a:tcPr/>
-                </a:tc>
-                <a:extLst>
-                  <a:ext uri="{0D108BD9-81ED-4DB2-BD59-A6C34878D82A}">
-                    <a16:rowId xmlns:a16="http://schemas.microsoft.com/office/drawing/2014/main" val="3898510965"/>
-                  </a:ext>
-                </a:extLst>
-              </a:tr>
-              <a:tr h="370840">
-                <a:tc>
-                  <a:txBody>
-                    <a:bodyPr/>
-                    <a:lstStyle/>
-                    <a:p>
-                      <a:pPr algn="ctr"/>
-                      <a:r>
-                        <a:rPr lang="zh-CN" altLang="en-US" dirty="0" smtClean="0"/>
-                        <a:t>苹果</a:t>
-                      </a:r>
-                      <a:r>
-                        <a:rPr lang="en-US" altLang="zh-CN" dirty="0" smtClean="0"/>
-                        <a:t>2</a:t>
-                      </a:r>
-                      <a:endParaRPr lang="zh-CN" altLang="en-US" dirty="0"/>
-                    </a:p>
-                  </a:txBody>
-                  <a:tcPr/>
-                </a:tc>
-                <a:tc>
-                  <a:txBody>
-                    <a:bodyPr/>
-                    <a:lstStyle/>
-                    <a:p>
-                      <a:r>
-                        <a:rPr lang="zh-CN" altLang="en-US" dirty="0" smtClean="0"/>
-                        <a:t>苹果是苹果亚科类植物</a:t>
-                      </a:r>
-                      <a:endParaRPr lang="zh-CN" altLang="en-US" dirty="0"/>
-                    </a:p>
-                  </a:txBody>
-                  <a:tcPr/>
-                </a:tc>
-                <a:extLst>
-                  <a:ext uri="{0D108BD9-81ED-4DB2-BD59-A6C34878D82A}">
-                    <a16:rowId xmlns:a16="http://schemas.microsoft.com/office/drawing/2014/main" val="2329056956"/>
-                  </a:ext>
-                </a:extLst>
-              </a:tr>
-              <a:tr h="370840">
-                <a:tc>
-                  <a:txBody>
-                    <a:bodyPr/>
-                    <a:lstStyle/>
-                    <a:p>
-                      <a:pPr algn="ctr"/>
-                      <a:r>
-                        <a:rPr lang="zh-CN" altLang="en-US" dirty="0" smtClean="0"/>
-                        <a:t>苹果</a:t>
-                      </a:r>
-                      <a:r>
-                        <a:rPr lang="en-US" altLang="zh-CN" dirty="0" smtClean="0"/>
-                        <a:t>3</a:t>
-                      </a:r>
-                      <a:endParaRPr lang="zh-CN" altLang="en-US" dirty="0"/>
-                    </a:p>
-                  </a:txBody>
-                  <a:tcPr/>
-                </a:tc>
-                <a:tc>
-                  <a:txBody>
-                    <a:bodyPr/>
-                    <a:lstStyle/>
-                    <a:p>
-                      <a:r>
-                        <a:rPr lang="zh-CN" altLang="en-US" dirty="0" smtClean="0"/>
-                        <a:t>苹果公司是生产电子产品的高科技公司</a:t>
-                      </a:r>
-                      <a:endParaRPr lang="zh-CN" altLang="en-US" dirty="0"/>
-                    </a:p>
-                  </a:txBody>
-                  <a:tcPr/>
-                </a:tc>
-                <a:extLst>
-                  <a:ext uri="{0D108BD9-81ED-4DB2-BD59-A6C34878D82A}">
-                    <a16:rowId xmlns:a16="http://schemas.microsoft.com/office/drawing/2014/main" val="3513234980"/>
-                  </a:ext>
-                </a:extLst>
-              </a:tr>
-            </a:tbl>
-          </a:graphicData>
-        </a:graphic>
-      </p:graphicFrame>
-      <p:graphicFrame>
-        <p:nvGraphicFramePr>
-          <p:cNvPr id="9" name="表格 8"/>
-          <p:cNvGraphicFramePr>
-            <a:graphicFrameLocks noGrp="1"/>
-          </p:cNvGraphicFramePr>
-          <p:nvPr>
-            <p:extLst>
-              <p:ext uri="{D42A27DB-BD31-4B8C-83A1-F6EECF244321}">
-                <p14:modId xmlns:p14="http://schemas.microsoft.com/office/powerpoint/2010/main" val="3600771254"/>
-              </p:ext>
-            </p:extLst>
-          </p:nvPr>
-        </p:nvGraphicFramePr>
-        <p:xfrm>
-          <a:off x="7210696" y="3783073"/>
-          <a:ext cx="4185724" cy="2839720"/>
-        </p:xfrm>
-        <a:graphic>
-          <a:graphicData uri="http://schemas.openxmlformats.org/drawingml/2006/table">
-            <a:tbl>
-              <a:tblPr firstRow="1" bandRow="1">
-                <a:tableStyleId>{073A0DAA-6AF3-43AB-8588-CEC1D06C72B9}</a:tableStyleId>
-              </a:tblPr>
-              <a:tblGrid>
-                <a:gridCol w="2092862">
-                  <a:extLst>
-                    <a:ext uri="{9D8B030D-6E8A-4147-A177-3AD203B41FA5}">
-                      <a16:colId xmlns:a16="http://schemas.microsoft.com/office/drawing/2014/main" val="1213869434"/>
-                    </a:ext>
-                  </a:extLst>
-                </a:gridCol>
-                <a:gridCol w="2092862">
-                  <a:extLst>
-                    <a:ext uri="{9D8B030D-6E8A-4147-A177-3AD203B41FA5}">
-                      <a16:colId xmlns:a16="http://schemas.microsoft.com/office/drawing/2014/main" val="3338462727"/>
-                    </a:ext>
-                  </a:extLst>
-                </a:gridCol>
-              </a:tblGrid>
-              <a:tr h="709930">
-                <a:tc>
-                  <a:txBody>
-                    <a:bodyPr/>
-                    <a:lstStyle/>
-                    <a:p>
-                      <a:pPr algn="ctr"/>
-                      <a:r>
-                        <a:rPr lang="zh-CN" altLang="en-US" dirty="0" smtClean="0"/>
-                        <a:t>命名实体</a:t>
-                      </a:r>
-                      <a:endParaRPr lang="zh-CN" altLang="en-US" dirty="0"/>
-                    </a:p>
-                  </a:txBody>
-                  <a:tcPr/>
-                </a:tc>
-                <a:tc>
-                  <a:txBody>
-                    <a:bodyPr/>
-                    <a:lstStyle/>
-                    <a:p>
-                      <a:pPr algn="ctr"/>
-                      <a:r>
-                        <a:rPr lang="zh-CN" altLang="en-US" dirty="0" smtClean="0"/>
-                        <a:t>文本向量</a:t>
-                      </a:r>
-                      <a:endParaRPr lang="zh-CN" altLang="en-US" dirty="0"/>
-                    </a:p>
-                  </a:txBody>
-                  <a:tcPr/>
-                </a:tc>
-                <a:extLst>
-                  <a:ext uri="{0D108BD9-81ED-4DB2-BD59-A6C34878D82A}">
-                    <a16:rowId xmlns:a16="http://schemas.microsoft.com/office/drawing/2014/main" val="3124439337"/>
-                  </a:ext>
-                </a:extLst>
-              </a:tr>
-              <a:tr h="709930">
-                <a:tc>
-                  <a:txBody>
-                    <a:bodyPr/>
-                    <a:lstStyle/>
-                    <a:p>
-                      <a:pPr algn="ctr"/>
-                      <a:r>
-                        <a:rPr lang="zh-CN" altLang="en-US" dirty="0" smtClean="0"/>
-                        <a:t>苹果</a:t>
-                      </a:r>
-                      <a:r>
-                        <a:rPr lang="en-US" altLang="zh-CN" dirty="0" smtClean="0"/>
-                        <a:t>1</a:t>
-                      </a:r>
-                      <a:endParaRPr lang="zh-CN" altLang="en-US" dirty="0"/>
-                    </a:p>
-                  </a:txBody>
-                  <a:tcPr/>
-                </a:tc>
-                <a:tc>
-                  <a:txBody>
-                    <a:bodyPr/>
-                    <a:lstStyle/>
-                    <a:p>
-                      <a:r>
-                        <a:rPr lang="en-US" altLang="zh-CN" dirty="0" smtClean="0"/>
-                        <a:t>1,1,0,0,0</a:t>
-                      </a:r>
-                      <a:endParaRPr lang="zh-CN" altLang="en-US" dirty="0"/>
-                    </a:p>
-                  </a:txBody>
-                  <a:tcPr/>
-                </a:tc>
-                <a:extLst>
-                  <a:ext uri="{0D108BD9-81ED-4DB2-BD59-A6C34878D82A}">
-                    <a16:rowId xmlns:a16="http://schemas.microsoft.com/office/drawing/2014/main" val="2948364281"/>
-                  </a:ext>
-                </a:extLst>
-              </a:tr>
-              <a:tr h="709930">
-                <a:tc>
-                  <a:txBody>
-                    <a:bodyPr/>
-                    <a:lstStyle/>
-                    <a:p>
-                      <a:pPr algn="ctr"/>
-                      <a:r>
-                        <a:rPr lang="zh-CN" altLang="en-US" dirty="0" smtClean="0"/>
-                        <a:t>苹果</a:t>
-                      </a:r>
-                      <a:r>
-                        <a:rPr lang="en-US" altLang="zh-CN" dirty="0" smtClean="0"/>
-                        <a:t>2</a:t>
-                      </a:r>
-                      <a:endParaRPr lang="zh-CN" altLang="en-US" dirty="0"/>
-                    </a:p>
-                  </a:txBody>
-                  <a:tcPr/>
-                </a:tc>
-                <a:tc>
-                  <a:txBody>
-                    <a:bodyPr/>
-                    <a:lstStyle/>
-                    <a:p>
-                      <a:r>
-                        <a:rPr lang="en-US" altLang="zh-CN" dirty="0" smtClean="0"/>
-                        <a:t>0,0,1,1,0</a:t>
-                      </a:r>
-                      <a:endParaRPr lang="zh-CN" altLang="en-US" dirty="0"/>
-                    </a:p>
-                  </a:txBody>
-                  <a:tcPr/>
-                </a:tc>
-                <a:extLst>
-                  <a:ext uri="{0D108BD9-81ED-4DB2-BD59-A6C34878D82A}">
-                    <a16:rowId xmlns:a16="http://schemas.microsoft.com/office/drawing/2014/main" val="2104538196"/>
-                  </a:ext>
-                </a:extLst>
-              </a:tr>
-              <a:tr h="709930">
-                <a:tc>
-                  <a:txBody>
-                    <a:bodyPr/>
-                    <a:lstStyle/>
-                    <a:p>
-                      <a:pPr algn="ctr"/>
-                      <a:r>
-                        <a:rPr lang="zh-CN" altLang="en-US" dirty="0" smtClean="0"/>
-                        <a:t>苹果</a:t>
-                      </a:r>
-                      <a:r>
-                        <a:rPr lang="en-US" altLang="zh-CN" dirty="0" smtClean="0"/>
-                        <a:t>3</a:t>
-                      </a:r>
-                      <a:endParaRPr lang="zh-CN" altLang="en-US" dirty="0"/>
-                    </a:p>
-                  </a:txBody>
-                  <a:tcPr/>
-                </a:tc>
-                <a:tc>
-                  <a:txBody>
-                    <a:bodyPr/>
-                    <a:lstStyle/>
-                    <a:p>
-                      <a:r>
-                        <a:rPr lang="en-US" altLang="zh-CN" dirty="0" smtClean="0"/>
-                        <a:t>1,1,0,0,1</a:t>
-                      </a:r>
-                      <a:endParaRPr lang="zh-CN" altLang="en-US" dirty="0"/>
-                    </a:p>
-                  </a:txBody>
-                  <a:tcPr/>
-                </a:tc>
-                <a:extLst>
-                  <a:ext uri="{0D108BD9-81ED-4DB2-BD59-A6C34878D82A}">
-                    <a16:rowId xmlns:a16="http://schemas.microsoft.com/office/drawing/2014/main" val="2906300387"/>
-                  </a:ext>
-                </a:extLst>
-              </a:tr>
-            </a:tbl>
-          </a:graphicData>
-        </a:graphic>
-      </p:graphicFrame>
-      <p:sp>
-        <p:nvSpPr>
-          <p:cNvPr id="10" name="文本框 9"/>
-          <p:cNvSpPr txBox="1"/>
-          <p:nvPr/>
-        </p:nvSpPr>
-        <p:spPr>
-          <a:xfrm>
-            <a:off x="4545552" y="4356244"/>
-            <a:ext cx="2700572" cy="923330"/>
+            <a:off x="6787662" y="2259623"/>
+            <a:ext cx="4941276" cy="923330"/>
           </a:xfrm>
           <a:prstGeom prst="rect">
             <a:avLst/>
@@ -5837,61 +6024,30 @@
           <a:p>
             <a:r>
               <a:rPr lang="zh-CN" altLang="en-US" dirty="0" smtClean="0"/>
-              <a:t>向量空间可以表示成</a:t>
+              <a:t>采用</a:t>
             </a:r>
             <a:r>
               <a:rPr lang="en-US" altLang="zh-CN" dirty="0" smtClean="0"/>
-              <a:t>{</a:t>
-            </a:r>
-            <a:r>
-              <a:rPr lang="zh-CN" altLang="en-US" dirty="0" smtClean="0"/>
-              <a:t>公司，电子产品，亚科类，植物，高科技</a:t>
-            </a:r>
-            <a:r>
-              <a:rPr lang="en-US" altLang="zh-CN" dirty="0" smtClean="0"/>
-              <a:t>}</a:t>
-            </a:r>
+              <a:t>BIO</a:t>
+            </a:r>
+            <a:r>
+              <a:rPr lang="zh-CN" altLang="en-US" dirty="0" smtClean="0"/>
+              <a:t>标注集</a:t>
+            </a:r>
+            <a:endParaRPr lang="en-US" altLang="zh-CN" dirty="0" smtClean="0"/>
+          </a:p>
+          <a:p>
+            <a:endParaRPr lang="en-US" altLang="zh-CN" dirty="0"/>
+          </a:p>
+          <a:p>
             <a:endParaRPr lang="zh-CN" altLang="en-US" dirty="0"/>
           </a:p>
         </p:txBody>
       </p:sp>
-      <p:cxnSp>
-        <p:nvCxnSpPr>
-          <p:cNvPr id="12" name="直接箭头连接符 11"/>
-          <p:cNvCxnSpPr/>
-          <p:nvPr/>
-        </p:nvCxnSpPr>
-        <p:spPr>
-          <a:xfrm>
-            <a:off x="4510124" y="5436296"/>
-            <a:ext cx="2736000" cy="0"/>
-          </a:xfrm>
-          <a:prstGeom prst="straightConnector1">
-            <a:avLst/>
-          </a:prstGeom>
-          <a:ln>
-            <a:tailEnd type="triangle"/>
-          </a:ln>
-        </p:spPr>
-        <p:style>
-          <a:lnRef idx="3">
-            <a:schemeClr val="dk1"/>
-          </a:lnRef>
-          <a:fillRef idx="0">
-            <a:schemeClr val="dk1"/>
-          </a:fillRef>
-          <a:effectRef idx="2">
-            <a:schemeClr val="dk1"/>
-          </a:effectRef>
-          <a:fontRef idx="minor">
-            <a:schemeClr val="tx1"/>
-          </a:fontRef>
-        </p:style>
-      </p:cxnSp>
     </p:spTree>
     <p:extLst>
       <p:ext uri="{BB962C8B-B14F-4D97-AF65-F5344CB8AC3E}">
-        <p14:creationId xmlns:p14="http://schemas.microsoft.com/office/powerpoint/2010/main" val="976971599"/>
+        <p14:creationId xmlns:p14="http://schemas.microsoft.com/office/powerpoint/2010/main" val="3482761359"/>
       </p:ext>
     </p:extLst>
   </p:cSld>
@@ -5961,7 +6117,7 @@
         </p:nvSpPr>
         <p:spPr>
           <a:xfrm>
-            <a:off x="838200" y="1690688"/>
+            <a:off x="909222" y="1424358"/>
             <a:ext cx="10515600" cy="4351338"/>
           </a:xfrm>
         </p:spPr>
@@ -5970,106 +6126,86 @@
           <a:lstStyle/>
           <a:p>
             <a:r>
-              <a:rPr lang="en-US" altLang="zh-CN" dirty="0" smtClean="0"/>
-              <a:t>1</a:t>
-            </a:r>
-            <a:r>
-              <a:rPr lang="zh-CN" altLang="en-US" dirty="0" smtClean="0"/>
-              <a:t>、基于</a:t>
-            </a:r>
-            <a:r>
-              <a:rPr lang="en-US" altLang="zh-CN" dirty="0" err="1" smtClean="0"/>
-              <a:t>BiLSTM+CRF</a:t>
-            </a:r>
-            <a:r>
-              <a:rPr lang="zh-CN" altLang="en-US" dirty="0" smtClean="0"/>
-              <a:t>的机构名识别</a:t>
-            </a:r>
+              <a:rPr lang="en-US" altLang="zh-CN" dirty="0"/>
+              <a:t>2</a:t>
+            </a:r>
+            <a:r>
+              <a:rPr lang="zh-CN" altLang="en-US" dirty="0" smtClean="0"/>
+              <a:t>、</a:t>
+            </a:r>
+            <a:r>
+              <a:rPr lang="zh-CN" altLang="en-US" dirty="0" smtClean="0"/>
+              <a:t>机构名简称的预测</a:t>
+            </a:r>
+            <a:endParaRPr lang="en-US" altLang="zh-CN" dirty="0" smtClean="0"/>
+          </a:p>
+          <a:p>
             <a:endParaRPr lang="zh-CN" altLang="en-US" dirty="0"/>
+          </a:p>
+        </p:txBody>
+      </p:sp>
+      <p:sp>
+        <p:nvSpPr>
+          <p:cNvPr id="4" name="矩形 3"/>
+          <p:cNvSpPr/>
+          <p:nvPr/>
+        </p:nvSpPr>
+        <p:spPr>
+          <a:xfrm>
+            <a:off x="5972408" y="3244334"/>
+            <a:ext cx="247184" cy="369332"/>
+          </a:xfrm>
+          <a:prstGeom prst="rect">
+            <a:avLst/>
+          </a:prstGeom>
+        </p:spPr>
+        <p:txBody>
+          <a:bodyPr wrap="none">
+            <a:spAutoFit/>
+          </a:bodyPr>
+          <a:lstStyle/>
+          <a:p>
+            <a:r>
+              <a:rPr lang="zh-CN" altLang="en-US" dirty="0"/>
+              <a:t> </a:t>
+            </a:r>
           </a:p>
         </p:txBody>
       </p:sp>
       <p:pic>
         <p:nvPicPr>
-          <p:cNvPr id="6" name="图片 5" descr="C:\Users\Jack\Desktop\CRF+BiLSTM.png"/>
-          <p:cNvPicPr/>
+          <p:cNvPr id="6" name="图片 5"/>
+          <p:cNvPicPr>
+            <a:picLocks noChangeAspect="1"/>
+          </p:cNvPicPr>
           <p:nvPr/>
         </p:nvPicPr>
         <p:blipFill>
-          <a:blip r:embed="rId3" cstate="print">
+          <a:blip r:embed="rId3">
             <a:extLst>
               <a:ext uri="{28A0092B-C50C-407E-A947-70E740481C1C}">
                 <a14:useLocalDpi xmlns:a14="http://schemas.microsoft.com/office/drawing/2010/main" val="0"/>
               </a:ext>
             </a:extLst>
           </a:blip>
-          <a:srcRect/>
           <a:stretch>
             <a:fillRect/>
           </a:stretch>
         </p:blipFill>
-        <p:spPr bwMode="auto">
+        <p:spPr>
           <a:xfrm>
-            <a:off x="1772151" y="2387926"/>
-            <a:ext cx="4490903" cy="4275255"/>
+            <a:off x="2596213" y="1690688"/>
+            <a:ext cx="6752389" cy="5409123"/>
           </a:xfrm>
           <a:prstGeom prst="rect">
             <a:avLst/>
           </a:prstGeom>
-          <a:noFill/>
-          <a:ln>
-            <a:noFill/>
-          </a:ln>
         </p:spPr>
       </p:pic>
-      <p:sp>
-        <p:nvSpPr>
-          <p:cNvPr id="7" name="文本框 6"/>
-          <p:cNvSpPr txBox="1"/>
-          <p:nvPr/>
-        </p:nvSpPr>
-        <p:spPr>
-          <a:xfrm>
-            <a:off x="6787662" y="2259623"/>
-            <a:ext cx="4941276" cy="923330"/>
-          </a:xfrm>
-          <a:prstGeom prst="rect">
-            <a:avLst/>
-          </a:prstGeom>
-          <a:noFill/>
-        </p:spPr>
-        <p:txBody>
-          <a:bodyPr wrap="square" rtlCol="0">
-            <a:spAutoFit/>
-          </a:bodyPr>
-          <a:lstStyle/>
-          <a:p>
-            <a:r>
-              <a:rPr lang="zh-CN" altLang="en-US" dirty="0" smtClean="0"/>
-              <a:t>采用</a:t>
-            </a:r>
-            <a:r>
-              <a:rPr lang="en-US" altLang="zh-CN" dirty="0" smtClean="0"/>
-              <a:t>BIO</a:t>
-            </a:r>
-            <a:r>
-              <a:rPr lang="zh-CN" altLang="en-US" dirty="0" smtClean="0"/>
-              <a:t>标注集</a:t>
-            </a:r>
-            <a:endParaRPr lang="en-US" altLang="zh-CN" dirty="0" smtClean="0"/>
-          </a:p>
-          <a:p>
-            <a:endParaRPr lang="en-US" altLang="zh-CN" dirty="0"/>
-          </a:p>
-          <a:p>
-            <a:endParaRPr lang="zh-CN" altLang="en-US" dirty="0"/>
-          </a:p>
-        </p:txBody>
-      </p:sp>
     </p:spTree>
     <p:extLst>
       <p:ext uri="{BB962C8B-B14F-4D97-AF65-F5344CB8AC3E}">
-        <p14:creationId xmlns:p14="http://schemas.microsoft.com/office/powerpoint/2010/main" val="3482761359"/>
+        <p14:creationId xmlns:p14="http://schemas.microsoft.com/office/powerpoint/2010/main" val="75435498"/>
       </p:ext>
     </p:extLst>
   </p:cSld>
